--- a/media/generated_ppts/DR IAm_RABAT.pptx
+++ b/media/generated_ppts/DR IAm_RABAT.pptx
@@ -3104,6 +3104,11 @@
           <a:bodyPr/>
           <a:lstStyle/>
           <a:p>
+            <a:pPr>
+              <a:defRPr sz="3200">
+                <a:latin typeface="Arial Narrow"/>
+              </a:defRPr>
+            </a:pPr>
             <a:r>
               <a:t>Données pour DR IAm: RABAT</a:t>
             </a:r>
@@ -3125,6 +3130,11 @@
           <a:bodyPr/>
           <a:lstStyle/>
           <a:p>
+            <a:pPr>
+              <a:defRPr sz="1800">
+                <a:latin typeface="Arial Narrow"/>
+              </a:defRPr>
+            </a:pPr>
             <a:r>
               <a:t>Nombre d'enregistrements: 16</a:t>
             </a:r>
@@ -3164,6 +3174,11 @@
           <a:bodyPr/>
           <a:lstStyle/>
           <a:p>
+            <a:pPr>
+              <a:defRPr sz="2400">
+                <a:latin typeface="Arial Narrow"/>
+              </a:defRPr>
+            </a:pPr>
             <a:r>
               <a:t>Détails - RABAT</a:t>
             </a:r>
@@ -3196,8 +3211,8 @@
           <p:nvPr/>
         </p:nvGraphicFramePr>
         <p:xfrm>
-          <a:off x="457200" y="1828800"/>
-          <a:ext cx="8229600" cy="4572000"/>
+          <a:off x="360000" y="1645920"/>
+          <a:ext cx="8747999" cy="1623599"/>
         </p:xfrm>
         <a:graphic>
           <a:graphicData uri="http://schemas.openxmlformats.org/drawingml/2006/table">
@@ -3206,41 +3221,214 @@
                 <a:tableStyleId>{5C22544A-7EE6-4342-B048-85BDC9FD1C3A}</a:tableStyleId>
               </a:tblPr>
               <a:tblGrid>
-                <a:gridCol w="587828"/>
-                <a:gridCol w="587828"/>
-                <a:gridCol w="587828"/>
-                <a:gridCol w="587828"/>
-                <a:gridCol w="587828"/>
-                <a:gridCol w="587828"/>
-                <a:gridCol w="587828"/>
-                <a:gridCol w="587828"/>
-                <a:gridCol w="587828"/>
-                <a:gridCol w="587828"/>
-                <a:gridCol w="587828"/>
-                <a:gridCol w="587828"/>
-                <a:gridCol w="587828"/>
-                <a:gridCol w="587836"/>
+                <a:gridCol w="648000"/>
+                <a:gridCol w="864000"/>
+                <a:gridCol w="1332000"/>
+                <a:gridCol w="936000"/>
+                <a:gridCol w="1007999"/>
+                <a:gridCol w="2232000"/>
+                <a:gridCol w="1728000"/>
               </a:tblGrid>
-              <a:tr h="268941">
-                <a:tc>
-                  <a:txBody>
-                    <a:bodyPr/>
-                    <a:lstStyle/>
-                    <a:p>
+              <a:tr h="125999">
+                <a:tc>
+                  <a:txBody>
+                    <a:bodyPr tIns="18288" bIns="18288" lIns="45720" rIns="45720"/>
+                    <a:lstStyle/>
+                    <a:p>
+                      <a:pPr>
+                        <a:defRPr sz="700" b="1">
+                          <a:solidFill>
+                            <a:srgbClr val="FFFFFF"/>
+                          </a:solidFill>
+                          <a:latin typeface="Arial Narrow"/>
+                        </a:defRPr>
+                      </a:pPr>
                       <a:r>
                         <a:t>code site</a:t>
                       </a:r>
                     </a:p>
                   </a:txBody>
+                  <a:tcPr>
+                    <a:solidFill>
+                      <a:srgbClr val="4472C4"/>
+                    </a:solidFill>
+                  </a:tcPr>
+                </a:tc>
+                <a:tc>
+                  <a:txBody>
+                    <a:bodyPr tIns="18288" bIns="18288" lIns="45720" rIns="45720"/>
+                    <a:lstStyle/>
+                    <a:p>
+                      <a:pPr>
+                        <a:defRPr sz="700" b="1">
+                          <a:solidFill>
+                            <a:srgbClr val="FFFFFF"/>
+                          </a:solidFill>
+                          <a:latin typeface="Arial Narrow"/>
+                        </a:defRPr>
+                      </a:pPr>
+                      <a:r>
+                        <a:t>ST FO</a:t>
+                      </a:r>
+                    </a:p>
+                  </a:txBody>
+                  <a:tcPr>
+                    <a:solidFill>
+                      <a:srgbClr val="4472C4"/>
+                    </a:solidFill>
+                  </a:tcPr>
+                </a:tc>
+                <a:tc>
+                  <a:txBody>
+                    <a:bodyPr tIns="18288" bIns="18288" lIns="45720" rIns="45720"/>
+                    <a:lstStyle/>
+                    <a:p>
+                      <a:pPr>
+                        <a:defRPr sz="700" b="1">
+                          <a:solidFill>
+                            <a:srgbClr val="FFFFFF"/>
+                          </a:solidFill>
+                          <a:latin typeface="Arial Narrow"/>
+                        </a:defRPr>
+                      </a:pPr>
+                      <a:r>
+                        <a:t>contact ERPT</a:t>
+                      </a:r>
+                    </a:p>
+                  </a:txBody>
+                  <a:tcPr>
+                    <a:solidFill>
+                      <a:srgbClr val="4472C4"/>
+                    </a:solidFill>
+                  </a:tcPr>
+                </a:tc>
+                <a:tc>
+                  <a:txBody>
+                    <a:bodyPr tIns="18288" bIns="18288" lIns="45720" rIns="45720"/>
+                    <a:lstStyle/>
+                    <a:p>
+                      <a:pPr>
+                        <a:defRPr sz="700" b="1">
+                          <a:solidFill>
+                            <a:srgbClr val="FFFFFF"/>
+                          </a:solidFill>
+                          <a:latin typeface="Arial Narrow"/>
+                        </a:defRPr>
+                      </a:pPr>
+                      <a:r>
+                        <a:t>DR IAm</a:t>
+                      </a:r>
+                    </a:p>
+                  </a:txBody>
+                  <a:tcPr>
+                    <a:solidFill>
+                      <a:srgbClr val="4472C4"/>
+                    </a:solidFill>
+                  </a:tcPr>
+                </a:tc>
+                <a:tc>
+                  <a:txBody>
+                    <a:bodyPr tIns="18288" bIns="18288" lIns="45720" rIns="45720"/>
+                    <a:lstStyle/>
+                    <a:p>
+                      <a:pPr>
+                        <a:defRPr sz="700" b="1">
+                          <a:solidFill>
+                            <a:srgbClr val="FFFFFF"/>
+                          </a:solidFill>
+                          <a:latin typeface="Arial Narrow"/>
+                        </a:defRPr>
+                      </a:pPr>
+                      <a:r>
+                        <a:t>ville</a:t>
+                      </a:r>
+                    </a:p>
+                  </a:txBody>
+                  <a:tcPr>
+                    <a:solidFill>
+                      <a:srgbClr val="4472C4"/>
+                    </a:solidFill>
+                  </a:tcPr>
+                </a:tc>
+                <a:tc>
+                  <a:txBody>
+                    <a:bodyPr tIns="18288" bIns="18288" lIns="45720" rIns="45720"/>
+                    <a:lstStyle/>
+                    <a:p>
+                      <a:pPr>
+                        <a:defRPr sz="700" b="1">
+                          <a:solidFill>
+                            <a:srgbClr val="FFFFFF"/>
+                          </a:solidFill>
+                          <a:latin typeface="Arial Narrow"/>
+                        </a:defRPr>
+                      </a:pPr>
+                      <a:r>
+                        <a:t>X Départ ERPT - Y Départ ERPT</a:t>
+                      </a:r>
+                    </a:p>
+                  </a:txBody>
+                  <a:tcPr>
+                    <a:solidFill>
+                      <a:srgbClr val="4472C4"/>
+                    </a:solidFill>
+                  </a:tcPr>
+                </a:tc>
+                <a:tc>
+                  <a:txBody>
+                    <a:bodyPr tIns="18288" bIns="18288" lIns="45720" rIns="45720"/>
+                    <a:lstStyle/>
+                    <a:p>
+                      <a:pPr>
+                        <a:defRPr sz="700" b="1">
+                          <a:solidFill>
+                            <a:srgbClr val="FFFFFF"/>
+                          </a:solidFill>
+                          <a:latin typeface="Arial Narrow"/>
+                        </a:defRPr>
+                      </a:pPr>
+                      <a:r>
+                        <a:t>X Arrivée ERPT Proposition1 - Y Arrivée ERPT Proposition1</a:t>
+                      </a:r>
+                    </a:p>
+                  </a:txBody>
+                  <a:tcPr>
+                    <a:solidFill>
+                      <a:srgbClr val="4472C4"/>
+                    </a:solidFill>
+                  </a:tcPr>
+                </a:tc>
+              </a:tr>
+              <a:tr h="93600">
+                <a:tc>
+                  <a:txBody>
+                    <a:bodyPr tIns="18288" bIns="18288" lIns="45720" rIns="45720"/>
+                    <a:lstStyle/>
+                    <a:p>
+                      <a:pPr>
+                        <a:defRPr sz="700">
+                          <a:latin typeface="Arial Narrow"/>
+                        </a:defRPr>
+                      </a:pPr>
+                      <a:r>
+                        <a:t>RAB1167</a:t>
+                      </a:r>
+                    </a:p>
+                  </a:txBody>
                   <a:tcPr/>
                 </a:tc>
                 <a:tc>
                   <a:txBody>
-                    <a:bodyPr/>
-                    <a:lstStyle/>
-                    <a:p>
-                      <a:r>
-                        <a:t>ST FO</a:t>
+                    <a:bodyPr tIns="18288" bIns="18288" lIns="45720" rIns="45720"/>
+                    <a:lstStyle/>
+                    <a:p>
+                      <a:pPr>
+                        <a:defRPr sz="700">
+                          <a:latin typeface="Arial Narrow"/>
+                        </a:defRPr>
+                      </a:pPr>
+                      <a:r>
+                        <a:t>AVANZIT</a:t>
                       </a:r>
                     </a:p>
                   </a:txBody>
@@ -3248,11 +3436,16 @@
                 </a:tc>
                 <a:tc>
                   <a:txBody>
-                    <a:bodyPr/>
-                    <a:lstStyle/>
-                    <a:p>
-                      <a:r>
-                        <a:t>Mois Survey &amp; Aiguillage</a:t>
+                    <a:bodyPr tIns="18288" bIns="18288" lIns="45720" rIns="45720"/>
+                    <a:lstStyle/>
+                    <a:p>
+                      <a:pPr>
+                        <a:defRPr sz="700">
+                          <a:latin typeface="Arial Narrow"/>
+                        </a:defRPr>
+                      </a:pPr>
+                      <a:r>
+                        <a:t>0660127763 AZEDDINE</a:t>
                       </a:r>
                     </a:p>
                   </a:txBody>
@@ -3260,11 +3453,16 @@
                 </a:tc>
                 <a:tc>
                   <a:txBody>
-                    <a:bodyPr/>
-                    <a:lstStyle/>
-                    <a:p>
-                      <a:r>
-                        <a:t>Semaine Survey &amp; Aiguillage</a:t>
+                    <a:bodyPr tIns="18288" bIns="18288" lIns="45720" rIns="45720"/>
+                    <a:lstStyle/>
+                    <a:p>
+                      <a:pPr>
+                        <a:defRPr sz="700">
+                          <a:latin typeface="Arial Narrow"/>
+                        </a:defRPr>
+                      </a:pPr>
+                      <a:r>
+                        <a:t>RABAT</a:t>
                       </a:r>
                     </a:p>
                   </a:txBody>
@@ -3272,11 +3470,16 @@
                 </a:tc>
                 <a:tc>
                   <a:txBody>
-                    <a:bodyPr/>
-                    <a:lstStyle/>
-                    <a:p>
-                      <a:r>
-                        <a:t>Planning Survey &amp; Aiguillage</a:t>
+                    <a:bodyPr tIns="18288" bIns="18288" lIns="45720" rIns="45720"/>
+                    <a:lstStyle/>
+                    <a:p>
+                      <a:pPr>
+                        <a:defRPr sz="700">
+                          <a:latin typeface="Arial Narrow"/>
+                        </a:defRPr>
+                      </a:pPr>
+                      <a:r>
+                        <a:t>RABAT</a:t>
                       </a:r>
                     </a:p>
                   </a:txBody>
@@ -3284,11 +3487,16 @@
                 </a:tc>
                 <a:tc>
                   <a:txBody>
-                    <a:bodyPr/>
-                    <a:lstStyle/>
-                    <a:p>
-                      <a:r>
-                        <a:t>date proposé par IAM pour le survey avec orange (semaine)</a:t>
+                    <a:bodyPr tIns="18288" bIns="18288" lIns="45720" rIns="45720"/>
+                    <a:lstStyle/>
+                    <a:p>
+                      <a:pPr>
+                        <a:defRPr sz="700">
+                          <a:latin typeface="Arial Narrow"/>
+                        </a:defRPr>
+                      </a:pPr>
+                      <a:r>
+                        <a:t> 33.986861°,  -6.800111°</a:t>
                       </a:r>
                     </a:p>
                   </a:txBody>
@@ -3296,23 +3504,184 @@
                 </a:tc>
                 <a:tc>
                   <a:txBody>
-                    <a:bodyPr/>
-                    <a:lstStyle/>
-                    <a:p>
-                      <a:r>
-                        <a:t>Contact ERPT</a:t>
+                    <a:bodyPr tIns="18288" bIns="18288" lIns="45720" rIns="45720"/>
+                    <a:lstStyle/>
+                    <a:p>
+                      <a:pPr>
+                        <a:defRPr sz="700">
+                          <a:latin typeface="Arial Narrow"/>
+                        </a:defRPr>
+                      </a:pPr>
+                      <a:r>
+                        <a:t> 33.986958°,  -6.802556°</a:t>
                       </a:r>
                     </a:p>
                   </a:txBody>
                   <a:tcPr/>
                 </a:tc>
-                <a:tc>
-                  <a:txBody>
-                    <a:bodyPr/>
-                    <a:lstStyle/>
-                    <a:p>
-                      <a:r>
-                        <a:t>Contact IAM</a:t>
+              </a:tr>
+              <a:tr h="93600">
+                <a:tc>
+                  <a:txBody>
+                    <a:bodyPr tIns="18288" bIns="18288" lIns="45720" rIns="45720"/>
+                    <a:lstStyle/>
+                    <a:p>
+                      <a:pPr>
+                        <a:defRPr sz="700">
+                          <a:latin typeface="Arial Narrow"/>
+                        </a:defRPr>
+                      </a:pPr>
+                      <a:r>
+                        <a:t>KEN023</a:t>
+                      </a:r>
+                    </a:p>
+                  </a:txBody>
+                  <a:tcPr>
+                    <a:solidFill>
+                      <a:srgbClr val="F2F2F2"/>
+                    </a:solidFill>
+                  </a:tcPr>
+                </a:tc>
+                <a:tc>
+                  <a:txBody>
+                    <a:bodyPr tIns="18288" bIns="18288" lIns="45720" rIns="45720"/>
+                    <a:lstStyle/>
+                    <a:p>
+                      <a:pPr>
+                        <a:defRPr sz="700">
+                          <a:latin typeface="Arial Narrow"/>
+                        </a:defRPr>
+                      </a:pPr>
+                      <a:r>
+                        <a:t>AVANZIT</a:t>
+                      </a:r>
+                    </a:p>
+                  </a:txBody>
+                  <a:tcPr>
+                    <a:solidFill>
+                      <a:srgbClr val="F2F2F2"/>
+                    </a:solidFill>
+                  </a:tcPr>
+                </a:tc>
+                <a:tc>
+                  <a:txBody>
+                    <a:bodyPr tIns="18288" bIns="18288" lIns="45720" rIns="45720"/>
+                    <a:lstStyle/>
+                    <a:p>
+                      <a:pPr>
+                        <a:defRPr sz="700">
+                          <a:latin typeface="Arial Narrow"/>
+                        </a:defRPr>
+                      </a:pPr>
+                      <a:r>
+                        <a:t>0660127763 AZEDDINE</a:t>
+                      </a:r>
+                    </a:p>
+                  </a:txBody>
+                  <a:tcPr>
+                    <a:solidFill>
+                      <a:srgbClr val="F2F2F2"/>
+                    </a:solidFill>
+                  </a:tcPr>
+                </a:tc>
+                <a:tc>
+                  <a:txBody>
+                    <a:bodyPr tIns="18288" bIns="18288" lIns="45720" rIns="45720"/>
+                    <a:lstStyle/>
+                    <a:p>
+                      <a:pPr>
+                        <a:defRPr sz="700">
+                          <a:latin typeface="Arial Narrow"/>
+                        </a:defRPr>
+                      </a:pPr>
+                      <a:r>
+                        <a:t>RABAT</a:t>
+                      </a:r>
+                    </a:p>
+                  </a:txBody>
+                  <a:tcPr>
+                    <a:solidFill>
+                      <a:srgbClr val="F2F2F2"/>
+                    </a:solidFill>
+                  </a:tcPr>
+                </a:tc>
+                <a:tc>
+                  <a:txBody>
+                    <a:bodyPr tIns="18288" bIns="18288" lIns="45720" rIns="45720"/>
+                    <a:lstStyle/>
+                    <a:p>
+                      <a:pPr>
+                        <a:defRPr sz="700">
+                          <a:latin typeface="Arial Narrow"/>
+                        </a:defRPr>
+                      </a:pPr>
+                      <a:r>
+                        <a:t>KENITRA</a:t>
+                      </a:r>
+                    </a:p>
+                  </a:txBody>
+                  <a:tcPr>
+                    <a:solidFill>
+                      <a:srgbClr val="F2F2F2"/>
+                    </a:solidFill>
+                  </a:tcPr>
+                </a:tc>
+                <a:tc>
+                  <a:txBody>
+                    <a:bodyPr tIns="18288" bIns="18288" lIns="45720" rIns="45720"/>
+                    <a:lstStyle/>
+                    <a:p>
+                      <a:pPr>
+                        <a:defRPr sz="700">
+                          <a:latin typeface="Arial Narrow"/>
+                        </a:defRPr>
+                      </a:pPr>
+                      <a:r>
+                        <a:t>34.28486611, -6.60890066</a:t>
+                      </a:r>
+                    </a:p>
+                  </a:txBody>
+                  <a:tcPr>
+                    <a:solidFill>
+                      <a:srgbClr val="F2F2F2"/>
+                    </a:solidFill>
+                  </a:tcPr>
+                </a:tc>
+                <a:tc>
+                  <a:txBody>
+                    <a:bodyPr tIns="18288" bIns="18288" lIns="45720" rIns="45720"/>
+                    <a:lstStyle/>
+                    <a:p>
+                      <a:pPr>
+                        <a:defRPr sz="700">
+                          <a:latin typeface="Arial Narrow"/>
+                        </a:defRPr>
+                      </a:pPr>
+                      <a:r>
+                        <a:t>34.27583333, -6.61138889</a:t>
+                      </a:r>
+                    </a:p>
+                  </a:txBody>
+                  <a:tcPr>
+                    <a:solidFill>
+                      <a:srgbClr val="F2F2F2"/>
+                    </a:solidFill>
+                  </a:tcPr>
+                </a:tc>
+              </a:tr>
+              <a:tr h="93600">
+                <a:tc>
+                  <a:txBody>
+                    <a:bodyPr tIns="18288" bIns="18288" lIns="45720" rIns="45720"/>
+                    <a:lstStyle/>
+                    <a:p>
+                      <a:pPr>
+                        <a:defRPr sz="700">
+                          <a:latin typeface="Arial Narrow"/>
+                        </a:defRPr>
+                      </a:pPr>
+                      <a:r>
+                        <a:t>KEN070</a:t>
                       </a:r>
                     </a:p>
                   </a:txBody>
@@ -3320,11 +3689,16 @@
                 </a:tc>
                 <a:tc>
                   <a:txBody>
-                    <a:bodyPr/>
-                    <a:lstStyle/>
-                    <a:p>
-                      <a:r>
-                        <a:t>DR IAm</a:t>
+                    <a:bodyPr tIns="18288" bIns="18288" lIns="45720" rIns="45720"/>
+                    <a:lstStyle/>
+                    <a:p>
+                      <a:pPr>
+                        <a:defRPr sz="700">
+                          <a:latin typeface="Arial Narrow"/>
+                        </a:defRPr>
+                      </a:pPr>
+                      <a:r>
+                        <a:t>AVANZIT</a:t>
                       </a:r>
                     </a:p>
                   </a:txBody>
@@ -3332,11 +3706,16 @@
                 </a:tc>
                 <a:tc>
                   <a:txBody>
-                    <a:bodyPr/>
-                    <a:lstStyle/>
-                    <a:p>
-                      <a:r>
-                        <a:t>ville</a:t>
+                    <a:bodyPr tIns="18288" bIns="18288" lIns="45720" rIns="45720"/>
+                    <a:lstStyle/>
+                    <a:p>
+                      <a:pPr>
+                        <a:defRPr sz="700">
+                          <a:latin typeface="Arial Narrow"/>
+                        </a:defRPr>
+                      </a:pPr>
+                      <a:r>
+                        <a:t>0660127763 AZEDDINE</a:t>
                       </a:r>
                     </a:p>
                   </a:txBody>
@@ -3344,11 +3723,16 @@
                 </a:tc>
                 <a:tc>
                   <a:txBody>
-                    <a:bodyPr/>
-                    <a:lstStyle/>
-                    <a:p>
-                      <a:r>
-                        <a:t>X Départ  ERPT  - Y Départ ERPT</a:t>
+                    <a:bodyPr tIns="18288" bIns="18288" lIns="45720" rIns="45720"/>
+                    <a:lstStyle/>
+                    <a:p>
+                      <a:pPr>
+                        <a:defRPr sz="700">
+                          <a:latin typeface="Arial Narrow"/>
+                        </a:defRPr>
+                      </a:pPr>
+                      <a:r>
+                        <a:t>RABAT</a:t>
                       </a:r>
                     </a:p>
                   </a:txBody>
@@ -3356,11 +3740,16 @@
                 </a:tc>
                 <a:tc>
                   <a:txBody>
-                    <a:bodyPr/>
-                    <a:lstStyle/>
-                    <a:p>
-                      <a:r>
-                        <a:t>X Arrivée ERPT Proposition1 - Y Arrivée ERPT Proposition1</a:t>
+                    <a:bodyPr tIns="18288" bIns="18288" lIns="45720" rIns="45720"/>
+                    <a:lstStyle/>
+                    <a:p>
+                      <a:pPr>
+                        <a:defRPr sz="700">
+                          <a:latin typeface="Arial Narrow"/>
+                        </a:defRPr>
+                      </a:pPr>
+                      <a:r>
+                        <a:t>KENITRA</a:t>
                       </a:r>
                     </a:p>
                   </a:txBody>
@@ -3368,11 +3757,16 @@
                 </a:tc>
                 <a:tc>
                   <a:txBody>
-                    <a:bodyPr/>
-                    <a:lstStyle/>
-                    <a:p>
-                      <a:r>
-                        <a:t>Commentaire ERPT</a:t>
+                    <a:bodyPr tIns="18288" bIns="18288" lIns="45720" rIns="45720"/>
+                    <a:lstStyle/>
+                    <a:p>
+                      <a:pPr>
+                        <a:defRPr sz="700">
+                          <a:latin typeface="Arial Narrow"/>
+                        </a:defRPr>
+                      </a:pPr>
+                      <a:r>
+                        <a:t>34.25244433, -6.52158981</a:t>
                       </a:r>
                     </a:p>
                   </a:txBody>
@@ -3380,25 +3774,184 @@
                 </a:tc>
                 <a:tc>
                   <a:txBody>
-                    <a:bodyPr/>
-                    <a:lstStyle/>
-                    <a:p>
-                      <a:r>
-                        <a:t>Date TSS</a:t>
+                    <a:bodyPr tIns="18288" bIns="18288" lIns="45720" rIns="45720"/>
+                    <a:lstStyle/>
+                    <a:p>
+                      <a:pPr>
+                        <a:defRPr sz="700">
+                          <a:latin typeface="Arial Narrow"/>
+                        </a:defRPr>
+                      </a:pPr>
+                      <a:r>
+                        <a:t>34.24736600, -6.54666200</a:t>
                       </a:r>
                     </a:p>
                   </a:txBody>
                   <a:tcPr/>
                 </a:tc>
               </a:tr>
-              <a:tr h="268941">
-                <a:tc>
-                  <a:txBody>
-                    <a:bodyPr/>
-                    <a:lstStyle/>
-                    <a:p>
-                      <a:r>
-                        <a:t>RAB1167</a:t>
+              <a:tr h="93600">
+                <a:tc>
+                  <a:txBody>
+                    <a:bodyPr tIns="18288" bIns="18288" lIns="45720" rIns="45720"/>
+                    <a:lstStyle/>
+                    <a:p>
+                      <a:pPr>
+                        <a:defRPr sz="700">
+                          <a:latin typeface="Arial Narrow"/>
+                        </a:defRPr>
+                      </a:pPr>
+                      <a:r>
+                        <a:t>KEN1040</a:t>
+                      </a:r>
+                    </a:p>
+                  </a:txBody>
+                  <a:tcPr>
+                    <a:solidFill>
+                      <a:srgbClr val="F2F2F2"/>
+                    </a:solidFill>
+                  </a:tcPr>
+                </a:tc>
+                <a:tc>
+                  <a:txBody>
+                    <a:bodyPr tIns="18288" bIns="18288" lIns="45720" rIns="45720"/>
+                    <a:lstStyle/>
+                    <a:p>
+                      <a:pPr>
+                        <a:defRPr sz="700">
+                          <a:latin typeface="Arial Narrow"/>
+                        </a:defRPr>
+                      </a:pPr>
+                      <a:r>
+                        <a:t>AVANZIT</a:t>
+                      </a:r>
+                    </a:p>
+                  </a:txBody>
+                  <a:tcPr>
+                    <a:solidFill>
+                      <a:srgbClr val="F2F2F2"/>
+                    </a:solidFill>
+                  </a:tcPr>
+                </a:tc>
+                <a:tc>
+                  <a:txBody>
+                    <a:bodyPr tIns="18288" bIns="18288" lIns="45720" rIns="45720"/>
+                    <a:lstStyle/>
+                    <a:p>
+                      <a:pPr>
+                        <a:defRPr sz="700">
+                          <a:latin typeface="Arial Narrow"/>
+                        </a:defRPr>
+                      </a:pPr>
+                      <a:r>
+                        <a:t>0660127763 AZEDDINE</a:t>
+                      </a:r>
+                    </a:p>
+                  </a:txBody>
+                  <a:tcPr>
+                    <a:solidFill>
+                      <a:srgbClr val="F2F2F2"/>
+                    </a:solidFill>
+                  </a:tcPr>
+                </a:tc>
+                <a:tc>
+                  <a:txBody>
+                    <a:bodyPr tIns="18288" bIns="18288" lIns="45720" rIns="45720"/>
+                    <a:lstStyle/>
+                    <a:p>
+                      <a:pPr>
+                        <a:defRPr sz="700">
+                          <a:latin typeface="Arial Narrow"/>
+                        </a:defRPr>
+                      </a:pPr>
+                      <a:r>
+                        <a:t>RABAT</a:t>
+                      </a:r>
+                    </a:p>
+                  </a:txBody>
+                  <a:tcPr>
+                    <a:solidFill>
+                      <a:srgbClr val="F2F2F2"/>
+                    </a:solidFill>
+                  </a:tcPr>
+                </a:tc>
+                <a:tc>
+                  <a:txBody>
+                    <a:bodyPr tIns="18288" bIns="18288" lIns="45720" rIns="45720"/>
+                    <a:lstStyle/>
+                    <a:p>
+                      <a:pPr>
+                        <a:defRPr sz="700">
+                          <a:latin typeface="Arial Narrow"/>
+                        </a:defRPr>
+                      </a:pPr>
+                      <a:r>
+                        <a:t>KENITRA</a:t>
+                      </a:r>
+                    </a:p>
+                  </a:txBody>
+                  <a:tcPr>
+                    <a:solidFill>
+                      <a:srgbClr val="F2F2F2"/>
+                    </a:solidFill>
+                  </a:tcPr>
+                </a:tc>
+                <a:tc>
+                  <a:txBody>
+                    <a:bodyPr tIns="18288" bIns="18288" lIns="45720" rIns="45720"/>
+                    <a:lstStyle/>
+                    <a:p>
+                      <a:pPr>
+                        <a:defRPr sz="700">
+                          <a:latin typeface="Arial Narrow"/>
+                        </a:defRPr>
+                      </a:pPr>
+                      <a:r>
+                        <a:t>34.25759010, -6.55197853</a:t>
+                      </a:r>
+                    </a:p>
+                  </a:txBody>
+                  <a:tcPr>
+                    <a:solidFill>
+                      <a:srgbClr val="F2F2F2"/>
+                    </a:solidFill>
+                  </a:tcPr>
+                </a:tc>
+                <a:tc>
+                  <a:txBody>
+                    <a:bodyPr tIns="18288" bIns="18288" lIns="45720" rIns="45720"/>
+                    <a:lstStyle/>
+                    <a:p>
+                      <a:pPr>
+                        <a:defRPr sz="700">
+                          <a:latin typeface="Arial Narrow"/>
+                        </a:defRPr>
+                      </a:pPr>
+                      <a:r>
+                        <a:t>34.24930300, -6.55527600</a:t>
+                      </a:r>
+                    </a:p>
+                  </a:txBody>
+                  <a:tcPr>
+                    <a:solidFill>
+                      <a:srgbClr val="F2F2F2"/>
+                    </a:solidFill>
+                  </a:tcPr>
+                </a:tc>
+              </a:tr>
+              <a:tr h="93600">
+                <a:tc>
+                  <a:txBody>
+                    <a:bodyPr tIns="18288" bIns="18288" lIns="45720" rIns="45720"/>
+                    <a:lstStyle/>
+                    <a:p>
+                      <a:pPr>
+                        <a:defRPr sz="700">
+                          <a:latin typeface="Arial Narrow"/>
+                        </a:defRPr>
+                      </a:pPr>
+                      <a:r>
+                        <a:t>KEN1049</a:t>
                       </a:r>
                     </a:p>
                   </a:txBody>
@@ -3406,9 +3959,14 @@
                 </a:tc>
                 <a:tc>
                   <a:txBody>
-                    <a:bodyPr/>
-                    <a:lstStyle/>
-                    <a:p>
+                    <a:bodyPr tIns="18288" bIns="18288" lIns="45720" rIns="45720"/>
+                    <a:lstStyle/>
+                    <a:p>
+                      <a:pPr>
+                        <a:defRPr sz="700">
+                          <a:latin typeface="Arial Narrow"/>
+                        </a:defRPr>
+                      </a:pPr>
                       <a:r>
                         <a:t>AVANZIT</a:t>
                       </a:r>
@@ -3418,11 +3976,16 @@
                 </a:tc>
                 <a:tc>
                   <a:txBody>
-                    <a:bodyPr/>
-                    <a:lstStyle/>
-                    <a:p>
-                      <a:r>
-                        <a:t>JUIN</a:t>
+                    <a:bodyPr tIns="18288" bIns="18288" lIns="45720" rIns="45720"/>
+                    <a:lstStyle/>
+                    <a:p>
+                      <a:pPr>
+                        <a:defRPr sz="700">
+                          <a:latin typeface="Arial Narrow"/>
+                        </a:defRPr>
+                      </a:pPr>
+                      <a:r>
+                        <a:t>0660127763 AZEDDINE</a:t>
                       </a:r>
                     </a:p>
                   </a:txBody>
@@ -3430,11 +3993,16 @@
                 </a:tc>
                 <a:tc>
                   <a:txBody>
-                    <a:bodyPr/>
-                    <a:lstStyle/>
-                    <a:p>
-                      <a:r>
-                        <a:t>Du 01/06/2024 Au 31/09/2024</a:t>
+                    <a:bodyPr tIns="18288" bIns="18288" lIns="45720" rIns="45720"/>
+                    <a:lstStyle/>
+                    <a:p>
+                      <a:pPr>
+                        <a:defRPr sz="700">
+                          <a:latin typeface="Arial Narrow"/>
+                        </a:defRPr>
+                      </a:pPr>
+                      <a:r>
+                        <a:t>RABAT</a:t>
                       </a:r>
                     </a:p>
                   </a:txBody>
@@ -3442,11 +4010,16 @@
                 </a:tc>
                 <a:tc>
                   <a:txBody>
-                    <a:bodyPr/>
-                    <a:lstStyle/>
-                    <a:p>
-                      <a:r>
-                        <a:t>Du 01/06/2024 Au 31/09/2024</a:t>
+                    <a:bodyPr tIns="18288" bIns="18288" lIns="45720" rIns="45720"/>
+                    <a:lstStyle/>
+                    <a:p>
+                      <a:pPr>
+                        <a:defRPr sz="700">
+                          <a:latin typeface="Arial Narrow"/>
+                        </a:defRPr>
+                      </a:pPr>
+                      <a:r>
+                        <a:t>KENITRA</a:t>
                       </a:r>
                     </a:p>
                   </a:txBody>
@@ -3454,37 +4027,250 @@
                 </a:tc>
                 <a:tc>
                   <a:txBody>
-                    <a:bodyPr/>
-                    <a:lstStyle/>
-                    <a:p/>
+                    <a:bodyPr tIns="18288" bIns="18288" lIns="45720" rIns="45720"/>
+                    <a:lstStyle/>
+                    <a:p>
+                      <a:pPr>
+                        <a:defRPr sz="700">
+                          <a:latin typeface="Arial Narrow"/>
+                        </a:defRPr>
+                      </a:pPr>
+                      <a:r>
+                        <a:t>34.26189000, -6.57102000</a:t>
+                      </a:r>
+                    </a:p>
                   </a:txBody>
                   <a:tcPr/>
                 </a:tc>
                 <a:tc>
                   <a:txBody>
-                    <a:bodyPr/>
-                    <a:lstStyle/>
-                    <a:p>
+                    <a:bodyPr tIns="18288" bIns="18288" lIns="45720" rIns="45720"/>
+                    <a:lstStyle/>
+                    <a:p>
+                      <a:pPr>
+                        <a:defRPr sz="700">
+                          <a:latin typeface="Arial Narrow"/>
+                        </a:defRPr>
+                      </a:pPr>
+                      <a:r>
+                        <a:t>34.26331500, -6.57105200</a:t>
+                      </a:r>
+                    </a:p>
+                  </a:txBody>
+                  <a:tcPr/>
+                </a:tc>
+              </a:tr>
+              <a:tr h="93600">
+                <a:tc>
+                  <a:txBody>
+                    <a:bodyPr tIns="18288" bIns="18288" lIns="45720" rIns="45720"/>
+                    <a:lstStyle/>
+                    <a:p>
+                      <a:pPr>
+                        <a:defRPr sz="700">
+                          <a:latin typeface="Arial Narrow"/>
+                        </a:defRPr>
+                      </a:pPr>
+                      <a:r>
+                        <a:t>KEN1052</a:t>
+                      </a:r>
+                    </a:p>
+                  </a:txBody>
+                  <a:tcPr>
+                    <a:solidFill>
+                      <a:srgbClr val="F2F2F2"/>
+                    </a:solidFill>
+                  </a:tcPr>
+                </a:tc>
+                <a:tc>
+                  <a:txBody>
+                    <a:bodyPr tIns="18288" bIns="18288" lIns="45720" rIns="45720"/>
+                    <a:lstStyle/>
+                    <a:p>
+                      <a:pPr>
+                        <a:defRPr sz="700">
+                          <a:latin typeface="Arial Narrow"/>
+                        </a:defRPr>
+                      </a:pPr>
+                      <a:r>
+                        <a:t>AVANZIT</a:t>
+                      </a:r>
+                    </a:p>
+                  </a:txBody>
+                  <a:tcPr>
+                    <a:solidFill>
+                      <a:srgbClr val="F2F2F2"/>
+                    </a:solidFill>
+                  </a:tcPr>
+                </a:tc>
+                <a:tc>
+                  <a:txBody>
+                    <a:bodyPr tIns="18288" bIns="18288" lIns="45720" rIns="45720"/>
+                    <a:lstStyle/>
+                    <a:p>
+                      <a:pPr>
+                        <a:defRPr sz="700">
+                          <a:latin typeface="Arial Narrow"/>
+                        </a:defRPr>
+                      </a:pPr>
                       <a:r>
                         <a:t>0660127763 AZEDDINE</a:t>
                       </a:r>
                     </a:p>
                   </a:txBody>
+                  <a:tcPr>
+                    <a:solidFill>
+                      <a:srgbClr val="F2F2F2"/>
+                    </a:solidFill>
+                  </a:tcPr>
+                </a:tc>
+                <a:tc>
+                  <a:txBody>
+                    <a:bodyPr tIns="18288" bIns="18288" lIns="45720" rIns="45720"/>
+                    <a:lstStyle/>
+                    <a:p>
+                      <a:pPr>
+                        <a:defRPr sz="700">
+                          <a:latin typeface="Arial Narrow"/>
+                        </a:defRPr>
+                      </a:pPr>
+                      <a:r>
+                        <a:t>RABAT</a:t>
+                      </a:r>
+                    </a:p>
+                  </a:txBody>
+                  <a:tcPr>
+                    <a:solidFill>
+                      <a:srgbClr val="F2F2F2"/>
+                    </a:solidFill>
+                  </a:tcPr>
+                </a:tc>
+                <a:tc>
+                  <a:txBody>
+                    <a:bodyPr tIns="18288" bIns="18288" lIns="45720" rIns="45720"/>
+                    <a:lstStyle/>
+                    <a:p>
+                      <a:pPr>
+                        <a:defRPr sz="700">
+                          <a:latin typeface="Arial Narrow"/>
+                        </a:defRPr>
+                      </a:pPr>
+                      <a:r>
+                        <a:t>KENITRA</a:t>
+                      </a:r>
+                    </a:p>
+                  </a:txBody>
+                  <a:tcPr>
+                    <a:solidFill>
+                      <a:srgbClr val="F2F2F2"/>
+                    </a:solidFill>
+                  </a:tcPr>
+                </a:tc>
+                <a:tc>
+                  <a:txBody>
+                    <a:bodyPr tIns="18288" bIns="18288" lIns="45720" rIns="45720"/>
+                    <a:lstStyle/>
+                    <a:p>
+                      <a:pPr>
+                        <a:defRPr sz="700">
+                          <a:latin typeface="Arial Narrow"/>
+                        </a:defRPr>
+                      </a:pPr>
+                      <a:r>
+                        <a:t>34.23416800, -6.52999800</a:t>
+                      </a:r>
+                    </a:p>
+                  </a:txBody>
+                  <a:tcPr>
+                    <a:solidFill>
+                      <a:srgbClr val="F2F2F2"/>
+                    </a:solidFill>
+                  </a:tcPr>
+                </a:tc>
+                <a:tc>
+                  <a:txBody>
+                    <a:bodyPr tIns="18288" bIns="18288" lIns="45720" rIns="45720"/>
+                    <a:lstStyle/>
+                    <a:p>
+                      <a:pPr>
+                        <a:defRPr sz="700">
+                          <a:latin typeface="Arial Narrow"/>
+                        </a:defRPr>
+                      </a:pPr>
+                      <a:r>
+                        <a:t>34.23914016, -6.54668213</a:t>
+                      </a:r>
+                    </a:p>
+                  </a:txBody>
+                  <a:tcPr>
+                    <a:solidFill>
+                      <a:srgbClr val="F2F2F2"/>
+                    </a:solidFill>
+                  </a:tcPr>
+                </a:tc>
+              </a:tr>
+              <a:tr h="93600">
+                <a:tc>
+                  <a:txBody>
+                    <a:bodyPr tIns="18288" bIns="18288" lIns="45720" rIns="45720"/>
+                    <a:lstStyle/>
+                    <a:p>
+                      <a:pPr>
+                        <a:defRPr sz="700">
+                          <a:latin typeface="Arial Narrow"/>
+                        </a:defRPr>
+                      </a:pPr>
+                      <a:r>
+                        <a:t>KEN1058</a:t>
+                      </a:r>
+                    </a:p>
+                  </a:txBody>
                   <a:tcPr/>
                 </a:tc>
                 <a:tc>
                   <a:txBody>
-                    <a:bodyPr/>
-                    <a:lstStyle/>
-                    <a:p/>
+                    <a:bodyPr tIns="18288" bIns="18288" lIns="45720" rIns="45720"/>
+                    <a:lstStyle/>
+                    <a:p>
+                      <a:pPr>
+                        <a:defRPr sz="700">
+                          <a:latin typeface="Arial Narrow"/>
+                        </a:defRPr>
+                      </a:pPr>
+                      <a:r>
+                        <a:t>AVANZIT</a:t>
+                      </a:r>
+                    </a:p>
                   </a:txBody>
                   <a:tcPr/>
                 </a:tc>
                 <a:tc>
                   <a:txBody>
-                    <a:bodyPr/>
-                    <a:lstStyle/>
-                    <a:p>
+                    <a:bodyPr tIns="18288" bIns="18288" lIns="45720" rIns="45720"/>
+                    <a:lstStyle/>
+                    <a:p>
+                      <a:pPr>
+                        <a:defRPr sz="700">
+                          <a:latin typeface="Arial Narrow"/>
+                        </a:defRPr>
+                      </a:pPr>
+                      <a:r>
+                        <a:t>0660127763 AZEDDINE</a:t>
+                      </a:r>
+                    </a:p>
+                  </a:txBody>
+                  <a:tcPr/>
+                </a:tc>
+                <a:tc>
+                  <a:txBody>
+                    <a:bodyPr tIns="18288" bIns="18288" lIns="45720" rIns="45720"/>
+                    <a:lstStyle/>
+                    <a:p>
+                      <a:pPr>
+                        <a:defRPr sz="700">
+                          <a:latin typeface="Arial Narrow"/>
+                        </a:defRPr>
+                      </a:pPr>
                       <a:r>
                         <a:t>RABAT</a:t>
                       </a:r>
@@ -3494,23 +4280,235 @@
                 </a:tc>
                 <a:tc>
                   <a:txBody>
-                    <a:bodyPr/>
-                    <a:lstStyle/>
-                    <a:p>
+                    <a:bodyPr tIns="18288" bIns="18288" lIns="45720" rIns="45720"/>
+                    <a:lstStyle/>
+                    <a:p>
+                      <a:pPr>
+                        <a:defRPr sz="700">
+                          <a:latin typeface="Arial Narrow"/>
+                        </a:defRPr>
+                      </a:pPr>
+                      <a:r>
+                        <a:t>KENITRA</a:t>
+                      </a:r>
+                    </a:p>
+                  </a:txBody>
+                  <a:tcPr/>
+                </a:tc>
+                <a:tc>
+                  <a:txBody>
+                    <a:bodyPr tIns="18288" bIns="18288" lIns="45720" rIns="45720"/>
+                    <a:lstStyle/>
+                    <a:p>
+                      <a:pPr>
+                        <a:defRPr sz="700">
+                          <a:latin typeface="Arial Narrow"/>
+                        </a:defRPr>
+                      </a:pPr>
+                      <a:r>
+                        <a:t>34.21948965, -6.61459172</a:t>
+                      </a:r>
+                    </a:p>
+                  </a:txBody>
+                  <a:tcPr/>
+                </a:tc>
+                <a:tc>
+                  <a:txBody>
+                    <a:bodyPr tIns="18288" bIns="18288" lIns="45720" rIns="45720"/>
+                    <a:lstStyle/>
+                    <a:p>
+                      <a:pPr>
+                        <a:defRPr sz="700">
+                          <a:latin typeface="Arial Narrow"/>
+                        </a:defRPr>
+                      </a:pPr>
+                      <a:r>
+                        <a:t>34.23427898, -6.61676285</a:t>
+                      </a:r>
+                    </a:p>
+                  </a:txBody>
+                  <a:tcPr/>
+                </a:tc>
+              </a:tr>
+              <a:tr h="93600">
+                <a:tc>
+                  <a:txBody>
+                    <a:bodyPr tIns="18288" bIns="18288" lIns="45720" rIns="45720"/>
+                    <a:lstStyle/>
+                    <a:p>
+                      <a:pPr>
+                        <a:defRPr sz="700">
+                          <a:latin typeface="Arial Narrow"/>
+                        </a:defRPr>
+                      </a:pPr>
+                      <a:r>
+                        <a:t>KEN1075</a:t>
+                      </a:r>
+                    </a:p>
+                  </a:txBody>
+                  <a:tcPr>
+                    <a:solidFill>
+                      <a:srgbClr val="F2F2F2"/>
+                    </a:solidFill>
+                  </a:tcPr>
+                </a:tc>
+                <a:tc>
+                  <a:txBody>
+                    <a:bodyPr tIns="18288" bIns="18288" lIns="45720" rIns="45720"/>
+                    <a:lstStyle/>
+                    <a:p>
+                      <a:pPr>
+                        <a:defRPr sz="700">
+                          <a:latin typeface="Arial Narrow"/>
+                        </a:defRPr>
+                      </a:pPr>
+                      <a:r>
+                        <a:t>AVANZIT</a:t>
+                      </a:r>
+                    </a:p>
+                  </a:txBody>
+                  <a:tcPr>
+                    <a:solidFill>
+                      <a:srgbClr val="F2F2F2"/>
+                    </a:solidFill>
+                  </a:tcPr>
+                </a:tc>
+                <a:tc>
+                  <a:txBody>
+                    <a:bodyPr tIns="18288" bIns="18288" lIns="45720" rIns="45720"/>
+                    <a:lstStyle/>
+                    <a:p>
+                      <a:pPr>
+                        <a:defRPr sz="700">
+                          <a:latin typeface="Arial Narrow"/>
+                        </a:defRPr>
+                      </a:pPr>
+                      <a:r>
+                        <a:t>0660127763 AZEDDINE</a:t>
+                      </a:r>
+                    </a:p>
+                  </a:txBody>
+                  <a:tcPr>
+                    <a:solidFill>
+                      <a:srgbClr val="F2F2F2"/>
+                    </a:solidFill>
+                  </a:tcPr>
+                </a:tc>
+                <a:tc>
+                  <a:txBody>
+                    <a:bodyPr tIns="18288" bIns="18288" lIns="45720" rIns="45720"/>
+                    <a:lstStyle/>
+                    <a:p>
+                      <a:pPr>
+                        <a:defRPr sz="700">
+                          <a:latin typeface="Arial Narrow"/>
+                        </a:defRPr>
+                      </a:pPr>
                       <a:r>
                         <a:t>RABAT</a:t>
                       </a:r>
                     </a:p>
                   </a:txBody>
+                  <a:tcPr>
+                    <a:solidFill>
+                      <a:srgbClr val="F2F2F2"/>
+                    </a:solidFill>
+                  </a:tcPr>
+                </a:tc>
+                <a:tc>
+                  <a:txBody>
+                    <a:bodyPr tIns="18288" bIns="18288" lIns="45720" rIns="45720"/>
+                    <a:lstStyle/>
+                    <a:p>
+                      <a:pPr>
+                        <a:defRPr sz="700">
+                          <a:latin typeface="Arial Narrow"/>
+                        </a:defRPr>
+                      </a:pPr>
+                      <a:r>
+                        <a:t>KENITRA</a:t>
+                      </a:r>
+                    </a:p>
+                  </a:txBody>
+                  <a:tcPr>
+                    <a:solidFill>
+                      <a:srgbClr val="F2F2F2"/>
+                    </a:solidFill>
+                  </a:tcPr>
+                </a:tc>
+                <a:tc>
+                  <a:txBody>
+                    <a:bodyPr tIns="18288" bIns="18288" lIns="45720" rIns="45720"/>
+                    <a:lstStyle/>
+                    <a:p>
+                      <a:pPr>
+                        <a:defRPr sz="700">
+                          <a:latin typeface="Arial Narrow"/>
+                        </a:defRPr>
+                      </a:pPr>
+                      <a:r>
+                        <a:t>34.22774847, -6.54663547</a:t>
+                      </a:r>
+                    </a:p>
+                  </a:txBody>
+                  <a:tcPr>
+                    <a:solidFill>
+                      <a:srgbClr val="F2F2F2"/>
+                    </a:solidFill>
+                  </a:tcPr>
+                </a:tc>
+                <a:tc>
+                  <a:txBody>
+                    <a:bodyPr tIns="18288" bIns="18288" lIns="45720" rIns="45720"/>
+                    <a:lstStyle/>
+                    <a:p>
+                      <a:pPr>
+                        <a:defRPr sz="700">
+                          <a:latin typeface="Arial Narrow"/>
+                        </a:defRPr>
+                      </a:pPr>
+                      <a:r>
+                        <a:t>34.23819807, -6.55612815</a:t>
+                      </a:r>
+                    </a:p>
+                  </a:txBody>
+                  <a:tcPr>
+                    <a:solidFill>
+                      <a:srgbClr val="F2F2F2"/>
+                    </a:solidFill>
+                  </a:tcPr>
+                </a:tc>
+              </a:tr>
+              <a:tr h="93600">
+                <a:tc>
+                  <a:txBody>
+                    <a:bodyPr tIns="18288" bIns="18288" lIns="45720" rIns="45720"/>
+                    <a:lstStyle/>
+                    <a:p>
+                      <a:pPr>
+                        <a:defRPr sz="700">
+                          <a:latin typeface="Arial Narrow"/>
+                        </a:defRPr>
+                      </a:pPr>
+                      <a:r>
+                        <a:t>KEN1080</a:t>
+                      </a:r>
+                    </a:p>
+                  </a:txBody>
                   <a:tcPr/>
                 </a:tc>
                 <a:tc>
                   <a:txBody>
-                    <a:bodyPr/>
-                    <a:lstStyle/>
-                    <a:p>
-                      <a:r>
-                        <a:t> 33.986861°,  -6.800111°</a:t>
+                    <a:bodyPr tIns="18288" bIns="18288" lIns="45720" rIns="45720"/>
+                    <a:lstStyle/>
+                    <a:p>
+                      <a:pPr>
+                        <a:defRPr sz="700">
+                          <a:latin typeface="Arial Narrow"/>
+                        </a:defRPr>
+                      </a:pPr>
+                      <a:r>
+                        <a:t>AVANZIT</a:t>
                       </a:r>
                     </a:p>
                   </a:txBody>
@@ -3518,11 +4516,16 @@
                 </a:tc>
                 <a:tc>
                   <a:txBody>
-                    <a:bodyPr/>
-                    <a:lstStyle/>
-                    <a:p>
-                      <a:r>
-                        <a:t> 33.986958°,  -6.802556°</a:t>
+                    <a:bodyPr tIns="18288" bIns="18288" lIns="45720" rIns="45720"/>
+                    <a:lstStyle/>
+                    <a:p>
+                      <a:pPr>
+                        <a:defRPr sz="700">
+                          <a:latin typeface="Arial Narrow"/>
+                        </a:defRPr>
+                      </a:pPr>
+                      <a:r>
+                        <a:t>0660127763 AZEDDINE</a:t>
                       </a:r>
                     </a:p>
                   </a:txBody>
@@ -3530,29 +4533,235 @@
                 </a:tc>
                 <a:tc>
                   <a:txBody>
-                    <a:bodyPr/>
-                    <a:lstStyle/>
-                    <a:p/>
+                    <a:bodyPr tIns="18288" bIns="18288" lIns="45720" rIns="45720"/>
+                    <a:lstStyle/>
+                    <a:p>
+                      <a:pPr>
+                        <a:defRPr sz="700">
+                          <a:latin typeface="Arial Narrow"/>
+                        </a:defRPr>
+                      </a:pPr>
+                      <a:r>
+                        <a:t>RABAT</a:t>
+                      </a:r>
+                    </a:p>
                   </a:txBody>
                   <a:tcPr/>
                 </a:tc>
                 <a:tc>
                   <a:txBody>
-                    <a:bodyPr/>
-                    <a:lstStyle/>
-                    <a:p/>
+                    <a:bodyPr tIns="18288" bIns="18288" lIns="45720" rIns="45720"/>
+                    <a:lstStyle/>
+                    <a:p>
+                      <a:pPr>
+                        <a:defRPr sz="700">
+                          <a:latin typeface="Arial Narrow"/>
+                        </a:defRPr>
+                      </a:pPr>
+                      <a:r>
+                        <a:t>KENITRA</a:t>
+                      </a:r>
+                    </a:p>
                   </a:txBody>
                   <a:tcPr/>
                 </a:tc>
+                <a:tc>
+                  <a:txBody>
+                    <a:bodyPr tIns="18288" bIns="18288" lIns="45720" rIns="45720"/>
+                    <a:lstStyle/>
+                    <a:p>
+                      <a:pPr>
+                        <a:defRPr sz="700">
+                          <a:latin typeface="Arial Narrow"/>
+                        </a:defRPr>
+                      </a:pPr>
+                      <a:r>
+                        <a:t>34.25117351, -6.55618354</a:t>
+                      </a:r>
+                    </a:p>
+                  </a:txBody>
+                  <a:tcPr/>
+                </a:tc>
+                <a:tc>
+                  <a:txBody>
+                    <a:bodyPr tIns="18288" bIns="18288" lIns="45720" rIns="45720"/>
+                    <a:lstStyle/>
+                    <a:p>
+                      <a:pPr>
+                        <a:defRPr sz="700">
+                          <a:latin typeface="Arial Narrow"/>
+                        </a:defRPr>
+                      </a:pPr>
+                      <a:r>
+                        <a:t>34.25101400, -6.55682100</a:t>
+                      </a:r>
+                    </a:p>
+                  </a:txBody>
+                  <a:tcPr/>
+                </a:tc>
               </a:tr>
-              <a:tr h="268941">
-                <a:tc>
-                  <a:txBody>
-                    <a:bodyPr/>
-                    <a:lstStyle/>
-                    <a:p>
-                      <a:r>
-                        <a:t>KEN023</a:t>
+              <a:tr h="93600">
+                <a:tc>
+                  <a:txBody>
+                    <a:bodyPr tIns="18288" bIns="18288" lIns="45720" rIns="45720"/>
+                    <a:lstStyle/>
+                    <a:p>
+                      <a:pPr>
+                        <a:defRPr sz="700">
+                          <a:latin typeface="Arial Narrow"/>
+                        </a:defRPr>
+                      </a:pPr>
+                      <a:r>
+                        <a:t>KEN1090</a:t>
+                      </a:r>
+                    </a:p>
+                  </a:txBody>
+                  <a:tcPr>
+                    <a:solidFill>
+                      <a:srgbClr val="F2F2F2"/>
+                    </a:solidFill>
+                  </a:tcPr>
+                </a:tc>
+                <a:tc>
+                  <a:txBody>
+                    <a:bodyPr tIns="18288" bIns="18288" lIns="45720" rIns="45720"/>
+                    <a:lstStyle/>
+                    <a:p>
+                      <a:pPr>
+                        <a:defRPr sz="700">
+                          <a:latin typeface="Arial Narrow"/>
+                        </a:defRPr>
+                      </a:pPr>
+                      <a:r>
+                        <a:t>AVANZIT</a:t>
+                      </a:r>
+                    </a:p>
+                  </a:txBody>
+                  <a:tcPr>
+                    <a:solidFill>
+                      <a:srgbClr val="F2F2F2"/>
+                    </a:solidFill>
+                  </a:tcPr>
+                </a:tc>
+                <a:tc>
+                  <a:txBody>
+                    <a:bodyPr tIns="18288" bIns="18288" lIns="45720" rIns="45720"/>
+                    <a:lstStyle/>
+                    <a:p>
+                      <a:pPr>
+                        <a:defRPr sz="700">
+                          <a:latin typeface="Arial Narrow"/>
+                        </a:defRPr>
+                      </a:pPr>
+                      <a:r>
+                        <a:t>0660127763 AZEDDINE</a:t>
+                      </a:r>
+                    </a:p>
+                  </a:txBody>
+                  <a:tcPr>
+                    <a:solidFill>
+                      <a:srgbClr val="F2F2F2"/>
+                    </a:solidFill>
+                  </a:tcPr>
+                </a:tc>
+                <a:tc>
+                  <a:txBody>
+                    <a:bodyPr tIns="18288" bIns="18288" lIns="45720" rIns="45720"/>
+                    <a:lstStyle/>
+                    <a:p>
+                      <a:pPr>
+                        <a:defRPr sz="700">
+                          <a:latin typeface="Arial Narrow"/>
+                        </a:defRPr>
+                      </a:pPr>
+                      <a:r>
+                        <a:t>RABAT</a:t>
+                      </a:r>
+                    </a:p>
+                  </a:txBody>
+                  <a:tcPr>
+                    <a:solidFill>
+                      <a:srgbClr val="F2F2F2"/>
+                    </a:solidFill>
+                  </a:tcPr>
+                </a:tc>
+                <a:tc>
+                  <a:txBody>
+                    <a:bodyPr tIns="18288" bIns="18288" lIns="45720" rIns="45720"/>
+                    <a:lstStyle/>
+                    <a:p>
+                      <a:pPr>
+                        <a:defRPr sz="700">
+                          <a:latin typeface="Arial Narrow"/>
+                        </a:defRPr>
+                      </a:pPr>
+                      <a:r>
+                        <a:t>KENITRA</a:t>
+                      </a:r>
+                    </a:p>
+                  </a:txBody>
+                  <a:tcPr>
+                    <a:solidFill>
+                      <a:srgbClr val="F2F2F2"/>
+                    </a:solidFill>
+                  </a:tcPr>
+                </a:tc>
+                <a:tc>
+                  <a:txBody>
+                    <a:bodyPr tIns="18288" bIns="18288" lIns="45720" rIns="45720"/>
+                    <a:lstStyle/>
+                    <a:p>
+                      <a:pPr>
+                        <a:defRPr sz="700">
+                          <a:latin typeface="Arial Narrow"/>
+                        </a:defRPr>
+                      </a:pPr>
+                      <a:r>
+                        <a:t>34.23286800, -6.61573200</a:t>
+                      </a:r>
+                    </a:p>
+                  </a:txBody>
+                  <a:tcPr>
+                    <a:solidFill>
+                      <a:srgbClr val="F2F2F2"/>
+                    </a:solidFill>
+                  </a:tcPr>
+                </a:tc>
+                <a:tc>
+                  <a:txBody>
+                    <a:bodyPr tIns="18288" bIns="18288" lIns="45720" rIns="45720"/>
+                    <a:lstStyle/>
+                    <a:p>
+                      <a:pPr>
+                        <a:defRPr sz="700">
+                          <a:latin typeface="Arial Narrow"/>
+                        </a:defRPr>
+                      </a:pPr>
+                      <a:r>
+                        <a:t>34.23424651, -6.61654371</a:t>
+                      </a:r>
+                    </a:p>
+                  </a:txBody>
+                  <a:tcPr>
+                    <a:solidFill>
+                      <a:srgbClr val="F2F2F2"/>
+                    </a:solidFill>
+                  </a:tcPr>
+                </a:tc>
+              </a:tr>
+              <a:tr h="93600">
+                <a:tc>
+                  <a:txBody>
+                    <a:bodyPr tIns="18288" bIns="18288" lIns="45720" rIns="45720"/>
+                    <a:lstStyle/>
+                    <a:p>
+                      <a:pPr>
+                        <a:defRPr sz="700">
+                          <a:latin typeface="Arial Narrow"/>
+                        </a:defRPr>
+                      </a:pPr>
+                      <a:r>
+                        <a:t>KEN1092</a:t>
                       </a:r>
                     </a:p>
                   </a:txBody>
@@ -3560,9 +4769,14 @@
                 </a:tc>
                 <a:tc>
                   <a:txBody>
-                    <a:bodyPr/>
-                    <a:lstStyle/>
-                    <a:p>
+                    <a:bodyPr tIns="18288" bIns="18288" lIns="45720" rIns="45720"/>
+                    <a:lstStyle/>
+                    <a:p>
+                      <a:pPr>
+                        <a:defRPr sz="700">
+                          <a:latin typeface="Arial Narrow"/>
+                        </a:defRPr>
+                      </a:pPr>
                       <a:r>
                         <a:t>AVANZIT</a:t>
                       </a:r>
@@ -3572,11 +4786,16 @@
                 </a:tc>
                 <a:tc>
                   <a:txBody>
-                    <a:bodyPr/>
-                    <a:lstStyle/>
-                    <a:p>
-                      <a:r>
-                        <a:t>JUIN</a:t>
+                    <a:bodyPr tIns="18288" bIns="18288" lIns="45720" rIns="45720"/>
+                    <a:lstStyle/>
+                    <a:p>
+                      <a:pPr>
+                        <a:defRPr sz="700">
+                          <a:latin typeface="Arial Narrow"/>
+                        </a:defRPr>
+                      </a:pPr>
+                      <a:r>
+                        <a:t>0660127763 AZEDDINE</a:t>
                       </a:r>
                     </a:p>
                   </a:txBody>
@@ -3584,11 +4803,16 @@
                 </a:tc>
                 <a:tc>
                   <a:txBody>
-                    <a:bodyPr/>
-                    <a:lstStyle/>
-                    <a:p>
-                      <a:r>
-                        <a:t>Du 01/06/2024 Au 31/09/2024</a:t>
+                    <a:bodyPr tIns="18288" bIns="18288" lIns="45720" rIns="45720"/>
+                    <a:lstStyle/>
+                    <a:p>
+                      <a:pPr>
+                        <a:defRPr sz="700">
+                          <a:latin typeface="Arial Narrow"/>
+                        </a:defRPr>
+                      </a:pPr>
+                      <a:r>
+                        <a:t>RABAT</a:t>
                       </a:r>
                     </a:p>
                   </a:txBody>
@@ -3596,11 +4820,16 @@
                 </a:tc>
                 <a:tc>
                   <a:txBody>
-                    <a:bodyPr/>
-                    <a:lstStyle/>
-                    <a:p>
-                      <a:r>
-                        <a:t>Du 01/06/2024 Au 31/09/2024</a:t>
+                    <a:bodyPr tIns="18288" bIns="18288" lIns="45720" rIns="45720"/>
+                    <a:lstStyle/>
+                    <a:p>
+                      <a:pPr>
+                        <a:defRPr sz="700">
+                          <a:latin typeface="Arial Narrow"/>
+                        </a:defRPr>
+                      </a:pPr>
+                      <a:r>
+                        <a:t>KENITRA</a:t>
                       </a:r>
                     </a:p>
                   </a:txBody>
@@ -3608,37 +4837,250 @@
                 </a:tc>
                 <a:tc>
                   <a:txBody>
-                    <a:bodyPr/>
-                    <a:lstStyle/>
-                    <a:p/>
+                    <a:bodyPr tIns="18288" bIns="18288" lIns="45720" rIns="45720"/>
+                    <a:lstStyle/>
+                    <a:p>
+                      <a:pPr>
+                        <a:defRPr sz="700">
+                          <a:latin typeface="Arial Narrow"/>
+                        </a:defRPr>
+                      </a:pPr>
+                      <a:r>
+                        <a:t>34.22956650, -6.53120207</a:t>
+                      </a:r>
+                    </a:p>
                   </a:txBody>
                   <a:tcPr/>
                 </a:tc>
                 <a:tc>
                   <a:txBody>
-                    <a:bodyPr/>
-                    <a:lstStyle/>
-                    <a:p>
+                    <a:bodyPr tIns="18288" bIns="18288" lIns="45720" rIns="45720"/>
+                    <a:lstStyle/>
+                    <a:p>
+                      <a:pPr>
+                        <a:defRPr sz="700">
+                          <a:latin typeface="Arial Narrow"/>
+                        </a:defRPr>
+                      </a:pPr>
+                      <a:r>
+                        <a:t>34.23914016, -6.54668213</a:t>
+                      </a:r>
+                    </a:p>
+                  </a:txBody>
+                  <a:tcPr/>
+                </a:tc>
+              </a:tr>
+              <a:tr h="93600">
+                <a:tc>
+                  <a:txBody>
+                    <a:bodyPr tIns="18288" bIns="18288" lIns="45720" rIns="45720"/>
+                    <a:lstStyle/>
+                    <a:p>
+                      <a:pPr>
+                        <a:defRPr sz="700">
+                          <a:latin typeface="Arial Narrow"/>
+                        </a:defRPr>
+                      </a:pPr>
+                      <a:r>
+                        <a:t>KEN151</a:t>
+                      </a:r>
+                    </a:p>
+                  </a:txBody>
+                  <a:tcPr>
+                    <a:solidFill>
+                      <a:srgbClr val="F2F2F2"/>
+                    </a:solidFill>
+                  </a:tcPr>
+                </a:tc>
+                <a:tc>
+                  <a:txBody>
+                    <a:bodyPr tIns="18288" bIns="18288" lIns="45720" rIns="45720"/>
+                    <a:lstStyle/>
+                    <a:p>
+                      <a:pPr>
+                        <a:defRPr sz="700">
+                          <a:latin typeface="Arial Narrow"/>
+                        </a:defRPr>
+                      </a:pPr>
+                      <a:r>
+                        <a:t>AVANZIT</a:t>
+                      </a:r>
+                    </a:p>
+                  </a:txBody>
+                  <a:tcPr>
+                    <a:solidFill>
+                      <a:srgbClr val="F2F2F2"/>
+                    </a:solidFill>
+                  </a:tcPr>
+                </a:tc>
+                <a:tc>
+                  <a:txBody>
+                    <a:bodyPr tIns="18288" bIns="18288" lIns="45720" rIns="45720"/>
+                    <a:lstStyle/>
+                    <a:p>
+                      <a:pPr>
+                        <a:defRPr sz="700">
+                          <a:latin typeface="Arial Narrow"/>
+                        </a:defRPr>
+                      </a:pPr>
                       <a:r>
                         <a:t>0660127763 AZEDDINE</a:t>
                       </a:r>
                     </a:p>
                   </a:txBody>
+                  <a:tcPr>
+                    <a:solidFill>
+                      <a:srgbClr val="F2F2F2"/>
+                    </a:solidFill>
+                  </a:tcPr>
+                </a:tc>
+                <a:tc>
+                  <a:txBody>
+                    <a:bodyPr tIns="18288" bIns="18288" lIns="45720" rIns="45720"/>
+                    <a:lstStyle/>
+                    <a:p>
+                      <a:pPr>
+                        <a:defRPr sz="700">
+                          <a:latin typeface="Arial Narrow"/>
+                        </a:defRPr>
+                      </a:pPr>
+                      <a:r>
+                        <a:t>RABAT</a:t>
+                      </a:r>
+                    </a:p>
+                  </a:txBody>
+                  <a:tcPr>
+                    <a:solidFill>
+                      <a:srgbClr val="F2F2F2"/>
+                    </a:solidFill>
+                  </a:tcPr>
+                </a:tc>
+                <a:tc>
+                  <a:txBody>
+                    <a:bodyPr tIns="18288" bIns="18288" lIns="45720" rIns="45720"/>
+                    <a:lstStyle/>
+                    <a:p>
+                      <a:pPr>
+                        <a:defRPr sz="700">
+                          <a:latin typeface="Arial Narrow"/>
+                        </a:defRPr>
+                      </a:pPr>
+                      <a:r>
+                        <a:t>KENITRA</a:t>
+                      </a:r>
+                    </a:p>
+                  </a:txBody>
+                  <a:tcPr>
+                    <a:solidFill>
+                      <a:srgbClr val="F2F2F2"/>
+                    </a:solidFill>
+                  </a:tcPr>
+                </a:tc>
+                <a:tc>
+                  <a:txBody>
+                    <a:bodyPr tIns="18288" bIns="18288" lIns="45720" rIns="45720"/>
+                    <a:lstStyle/>
+                    <a:p>
+                      <a:pPr>
+                        <a:defRPr sz="700">
+                          <a:latin typeface="Arial Narrow"/>
+                        </a:defRPr>
+                      </a:pPr>
+                      <a:r>
+                        <a:t>34.22355450, -6.53557198</a:t>
+                      </a:r>
+                    </a:p>
+                  </a:txBody>
+                  <a:tcPr>
+                    <a:solidFill>
+                      <a:srgbClr val="F2F2F2"/>
+                    </a:solidFill>
+                  </a:tcPr>
+                </a:tc>
+                <a:tc>
+                  <a:txBody>
+                    <a:bodyPr tIns="18288" bIns="18288" lIns="45720" rIns="45720"/>
+                    <a:lstStyle/>
+                    <a:p>
+                      <a:pPr>
+                        <a:defRPr sz="700">
+                          <a:latin typeface="Arial Narrow"/>
+                        </a:defRPr>
+                      </a:pPr>
+                      <a:r>
+                        <a:t>34.22956650, -6.53120207</a:t>
+                      </a:r>
+                    </a:p>
+                  </a:txBody>
+                  <a:tcPr>
+                    <a:solidFill>
+                      <a:srgbClr val="F2F2F2"/>
+                    </a:solidFill>
+                  </a:tcPr>
+                </a:tc>
+              </a:tr>
+              <a:tr h="93600">
+                <a:tc>
+                  <a:txBody>
+                    <a:bodyPr tIns="18288" bIns="18288" lIns="45720" rIns="45720"/>
+                    <a:lstStyle/>
+                    <a:p>
+                      <a:pPr>
+                        <a:defRPr sz="700">
+                          <a:latin typeface="Arial Narrow"/>
+                        </a:defRPr>
+                      </a:pPr>
+                      <a:r>
+                        <a:t>KEN157</a:t>
+                      </a:r>
+                    </a:p>
+                  </a:txBody>
                   <a:tcPr/>
                 </a:tc>
                 <a:tc>
                   <a:txBody>
-                    <a:bodyPr/>
-                    <a:lstStyle/>
-                    <a:p/>
+                    <a:bodyPr tIns="18288" bIns="18288" lIns="45720" rIns="45720"/>
+                    <a:lstStyle/>
+                    <a:p>
+                      <a:pPr>
+                        <a:defRPr sz="700">
+                          <a:latin typeface="Arial Narrow"/>
+                        </a:defRPr>
+                      </a:pPr>
+                      <a:r>
+                        <a:t>AVANZIT</a:t>
+                      </a:r>
+                    </a:p>
                   </a:txBody>
                   <a:tcPr/>
                 </a:tc>
                 <a:tc>
                   <a:txBody>
-                    <a:bodyPr/>
-                    <a:lstStyle/>
-                    <a:p>
+                    <a:bodyPr tIns="18288" bIns="18288" lIns="45720" rIns="45720"/>
+                    <a:lstStyle/>
+                    <a:p>
+                      <a:pPr>
+                        <a:defRPr sz="700">
+                          <a:latin typeface="Arial Narrow"/>
+                        </a:defRPr>
+                      </a:pPr>
+                      <a:r>
+                        <a:t>0660127763 AZEDDINE</a:t>
+                      </a:r>
+                    </a:p>
+                  </a:txBody>
+                  <a:tcPr/>
+                </a:tc>
+                <a:tc>
+                  <a:txBody>
+                    <a:bodyPr tIns="18288" bIns="18288" lIns="45720" rIns="45720"/>
+                    <a:lstStyle/>
+                    <a:p>
+                      <a:pPr>
+                        <a:defRPr sz="700">
+                          <a:latin typeface="Arial Narrow"/>
+                        </a:defRPr>
+                      </a:pPr>
                       <a:r>
                         <a:t>RABAT</a:t>
                       </a:r>
@@ -3648,9 +5090,14 @@
                 </a:tc>
                 <a:tc>
                   <a:txBody>
-                    <a:bodyPr/>
-                    <a:lstStyle/>
-                    <a:p>
+                    <a:bodyPr tIns="18288" bIns="18288" lIns="45720" rIns="45720"/>
+                    <a:lstStyle/>
+                    <a:p>
+                      <a:pPr>
+                        <a:defRPr sz="700">
+                          <a:latin typeface="Arial Narrow"/>
+                        </a:defRPr>
+                      </a:pPr>
                       <a:r>
                         <a:t>KENITRA</a:t>
                       </a:r>
@@ -3660,11 +5107,16 @@
                 </a:tc>
                 <a:tc>
                   <a:txBody>
-                    <a:bodyPr/>
-                    <a:lstStyle/>
-                    <a:p>
-                      <a:r>
-                        <a:t>34.28486611, -6.60890066</a:t>
+                    <a:bodyPr tIns="18288" bIns="18288" lIns="45720" rIns="45720"/>
+                    <a:lstStyle/>
+                    <a:p>
+                      <a:pPr>
+                        <a:defRPr sz="700">
+                          <a:latin typeface="Arial Narrow"/>
+                        </a:defRPr>
+                      </a:pPr>
+                      <a:r>
+                        <a:t>34.23029592, -6.58079417</a:t>
                       </a:r>
                     </a:p>
                   </a:txBody>
@@ -3672,2187 +5124,439 @@
                 </a:tc>
                 <a:tc>
                   <a:txBody>
-                    <a:bodyPr/>
-                    <a:lstStyle/>
-                    <a:p>
-                      <a:r>
-                        <a:t>34.27583333, -6.61138889</a:t>
+                    <a:bodyPr tIns="18288" bIns="18288" lIns="45720" rIns="45720"/>
+                    <a:lstStyle/>
+                    <a:p>
+                      <a:pPr>
+                        <a:defRPr sz="700">
+                          <a:latin typeface="Arial Narrow"/>
+                        </a:defRPr>
+                      </a:pPr>
+                      <a:r>
+                        <a:t>34.23614002, -6.57165421</a:t>
                       </a:r>
                     </a:p>
                   </a:txBody>
                   <a:tcPr/>
                 </a:tc>
-                <a:tc>
-                  <a:txBody>
-                    <a:bodyPr/>
-                    <a:lstStyle/>
-                    <a:p/>
+              </a:tr>
+              <a:tr h="93600">
+                <a:tc>
+                  <a:txBody>
+                    <a:bodyPr tIns="18288" bIns="18288" lIns="45720" rIns="45720"/>
+                    <a:lstStyle/>
+                    <a:p>
+                      <a:pPr>
+                        <a:defRPr sz="700">
+                          <a:latin typeface="Arial Narrow"/>
+                        </a:defRPr>
+                      </a:pPr>
+                      <a:r>
+                        <a:t>KEN943</a:t>
+                      </a:r>
+                    </a:p>
+                  </a:txBody>
+                  <a:tcPr>
+                    <a:solidFill>
+                      <a:srgbClr val="F2F2F2"/>
+                    </a:solidFill>
+                  </a:tcPr>
+                </a:tc>
+                <a:tc>
+                  <a:txBody>
+                    <a:bodyPr tIns="18288" bIns="18288" lIns="45720" rIns="45720"/>
+                    <a:lstStyle/>
+                    <a:p>
+                      <a:pPr>
+                        <a:defRPr sz="700">
+                          <a:latin typeface="Arial Narrow"/>
+                        </a:defRPr>
+                      </a:pPr>
+                      <a:r>
+                        <a:t>AVANZIT</a:t>
+                      </a:r>
+                    </a:p>
+                  </a:txBody>
+                  <a:tcPr>
+                    <a:solidFill>
+                      <a:srgbClr val="F2F2F2"/>
+                    </a:solidFill>
+                  </a:tcPr>
+                </a:tc>
+                <a:tc>
+                  <a:txBody>
+                    <a:bodyPr tIns="18288" bIns="18288" lIns="45720" rIns="45720"/>
+                    <a:lstStyle/>
+                    <a:p>
+                      <a:pPr>
+                        <a:defRPr sz="700">
+                          <a:latin typeface="Arial Narrow"/>
+                        </a:defRPr>
+                      </a:pPr>
+                      <a:r>
+                        <a:t>0660127763 AZEDDINE</a:t>
+                      </a:r>
+                    </a:p>
+                  </a:txBody>
+                  <a:tcPr>
+                    <a:solidFill>
+                      <a:srgbClr val="F2F2F2"/>
+                    </a:solidFill>
+                  </a:tcPr>
+                </a:tc>
+                <a:tc>
+                  <a:txBody>
+                    <a:bodyPr tIns="18288" bIns="18288" lIns="45720" rIns="45720"/>
+                    <a:lstStyle/>
+                    <a:p>
+                      <a:pPr>
+                        <a:defRPr sz="700">
+                          <a:latin typeface="Arial Narrow"/>
+                        </a:defRPr>
+                      </a:pPr>
+                      <a:r>
+                        <a:t>RABAT</a:t>
+                      </a:r>
+                    </a:p>
+                  </a:txBody>
+                  <a:tcPr>
+                    <a:solidFill>
+                      <a:srgbClr val="F2F2F2"/>
+                    </a:solidFill>
+                  </a:tcPr>
+                </a:tc>
+                <a:tc>
+                  <a:txBody>
+                    <a:bodyPr tIns="18288" bIns="18288" lIns="45720" rIns="45720"/>
+                    <a:lstStyle/>
+                    <a:p>
+                      <a:pPr>
+                        <a:defRPr sz="700">
+                          <a:latin typeface="Arial Narrow"/>
+                        </a:defRPr>
+                      </a:pPr>
+                      <a:r>
+                        <a:t>KENITRA</a:t>
+                      </a:r>
+                    </a:p>
+                  </a:txBody>
+                  <a:tcPr>
+                    <a:solidFill>
+                      <a:srgbClr val="F2F2F2"/>
+                    </a:solidFill>
+                  </a:tcPr>
+                </a:tc>
+                <a:tc>
+                  <a:txBody>
+                    <a:bodyPr tIns="18288" bIns="18288" lIns="45720" rIns="45720"/>
+                    <a:lstStyle/>
+                    <a:p>
+                      <a:pPr>
+                        <a:defRPr sz="700">
+                          <a:latin typeface="Arial Narrow"/>
+                        </a:defRPr>
+                      </a:pPr>
+                      <a:r>
+                        <a:t>34.25123900, -6.57213600</a:t>
+                      </a:r>
+                    </a:p>
+                  </a:txBody>
+                  <a:tcPr>
+                    <a:solidFill>
+                      <a:srgbClr val="F2F2F2"/>
+                    </a:solidFill>
+                  </a:tcPr>
+                </a:tc>
+                <a:tc>
+                  <a:txBody>
+                    <a:bodyPr tIns="18288" bIns="18288" lIns="45720" rIns="45720"/>
+                    <a:lstStyle/>
+                    <a:p>
+                      <a:pPr>
+                        <a:defRPr sz="700">
+                          <a:latin typeface="Arial Narrow"/>
+                        </a:defRPr>
+                      </a:pPr>
+                      <a:r>
+                        <a:t>34.25374700, -6.57989500</a:t>
+                      </a:r>
+                    </a:p>
+                  </a:txBody>
+                  <a:tcPr>
+                    <a:solidFill>
+                      <a:srgbClr val="F2F2F2"/>
+                    </a:solidFill>
+                  </a:tcPr>
+                </a:tc>
+              </a:tr>
+              <a:tr h="93600">
+                <a:tc>
+                  <a:txBody>
+                    <a:bodyPr tIns="18288" bIns="18288" lIns="45720" rIns="45720"/>
+                    <a:lstStyle/>
+                    <a:p>
+                      <a:pPr>
+                        <a:defRPr sz="700">
+                          <a:latin typeface="Arial Narrow"/>
+                        </a:defRPr>
+                      </a:pPr>
+                      <a:r>
+                        <a:t>KEN976</a:t>
+                      </a:r>
+                    </a:p>
                   </a:txBody>
                   <a:tcPr/>
                 </a:tc>
                 <a:tc>
                   <a:txBody>
-                    <a:bodyPr/>
-                    <a:lstStyle/>
-                    <a:p/>
+                    <a:bodyPr tIns="18288" bIns="18288" lIns="45720" rIns="45720"/>
+                    <a:lstStyle/>
+                    <a:p>
+                      <a:pPr>
+                        <a:defRPr sz="700">
+                          <a:latin typeface="Arial Narrow"/>
+                        </a:defRPr>
+                      </a:pPr>
+                      <a:r>
+                        <a:t>AVANZIT</a:t>
+                      </a:r>
+                    </a:p>
                   </a:txBody>
                   <a:tcPr/>
                 </a:tc>
+                <a:tc>
+                  <a:txBody>
+                    <a:bodyPr tIns="18288" bIns="18288" lIns="45720" rIns="45720"/>
+                    <a:lstStyle/>
+                    <a:p>
+                      <a:pPr>
+                        <a:defRPr sz="700">
+                          <a:latin typeface="Arial Narrow"/>
+                        </a:defRPr>
+                      </a:pPr>
+                      <a:r>
+                        <a:t>0660127763 AZEDDINE</a:t>
+                      </a:r>
+                    </a:p>
+                  </a:txBody>
+                  <a:tcPr/>
+                </a:tc>
+                <a:tc>
+                  <a:txBody>
+                    <a:bodyPr tIns="18288" bIns="18288" lIns="45720" rIns="45720"/>
+                    <a:lstStyle/>
+                    <a:p>
+                      <a:pPr>
+                        <a:defRPr sz="700">
+                          <a:latin typeface="Arial Narrow"/>
+                        </a:defRPr>
+                      </a:pPr>
+                      <a:r>
+                        <a:t>RABAT</a:t>
+                      </a:r>
+                    </a:p>
+                  </a:txBody>
+                  <a:tcPr/>
+                </a:tc>
+                <a:tc>
+                  <a:txBody>
+                    <a:bodyPr tIns="18288" bIns="18288" lIns="45720" rIns="45720"/>
+                    <a:lstStyle/>
+                    <a:p>
+                      <a:pPr>
+                        <a:defRPr sz="700">
+                          <a:latin typeface="Arial Narrow"/>
+                        </a:defRPr>
+                      </a:pPr>
+                      <a:r>
+                        <a:t>KENITRA</a:t>
+                      </a:r>
+                    </a:p>
+                  </a:txBody>
+                  <a:tcPr/>
+                </a:tc>
+                <a:tc>
+                  <a:txBody>
+                    <a:bodyPr tIns="18288" bIns="18288" lIns="45720" rIns="45720"/>
+                    <a:lstStyle/>
+                    <a:p>
+                      <a:pPr>
+                        <a:defRPr sz="700">
+                          <a:latin typeface="Arial Narrow"/>
+                        </a:defRPr>
+                      </a:pPr>
+                      <a:r>
+                        <a:t>34.22881593, -6.53457249</a:t>
+                      </a:r>
+                    </a:p>
+                  </a:txBody>
+                  <a:tcPr/>
+                </a:tc>
+                <a:tc>
+                  <a:txBody>
+                    <a:bodyPr tIns="18288" bIns="18288" lIns="45720" rIns="45720"/>
+                    <a:lstStyle/>
+                    <a:p>
+                      <a:pPr>
+                        <a:defRPr sz="700">
+                          <a:latin typeface="Arial Narrow"/>
+                        </a:defRPr>
+                      </a:pPr>
+                      <a:r>
+                        <a:t>34.23109200, -6.53366300</a:t>
+                      </a:r>
+                    </a:p>
+                  </a:txBody>
+                  <a:tcPr/>
+                </a:tc>
               </a:tr>
-              <a:tr h="268941">
-                <a:tc>
-                  <a:txBody>
-                    <a:bodyPr/>
-                    <a:lstStyle/>
-                    <a:p>
-                      <a:r>
-                        <a:t>KEN070</a:t>
-                      </a:r>
-                    </a:p>
-                  </a:txBody>
-                  <a:tcPr/>
-                </a:tc>
-                <a:tc>
-                  <a:txBody>
-                    <a:bodyPr/>
-                    <a:lstStyle/>
-                    <a:p>
+              <a:tr h="93600">
+                <a:tc>
+                  <a:txBody>
+                    <a:bodyPr tIns="18288" bIns="18288" lIns="45720" rIns="45720"/>
+                    <a:lstStyle/>
+                    <a:p>
+                      <a:pPr>
+                        <a:defRPr sz="700">
+                          <a:latin typeface="Arial Narrow"/>
+                        </a:defRPr>
+                      </a:pPr>
+                      <a:r>
+                        <a:t>KEN988</a:t>
+                      </a:r>
+                    </a:p>
+                  </a:txBody>
+                  <a:tcPr>
+                    <a:solidFill>
+                      <a:srgbClr val="F2F2F2"/>
+                    </a:solidFill>
+                  </a:tcPr>
+                </a:tc>
+                <a:tc>
+                  <a:txBody>
+                    <a:bodyPr tIns="18288" bIns="18288" lIns="45720" rIns="45720"/>
+                    <a:lstStyle/>
+                    <a:p>
+                      <a:pPr>
+                        <a:defRPr sz="700">
+                          <a:latin typeface="Arial Narrow"/>
+                        </a:defRPr>
+                      </a:pPr>
                       <a:r>
                         <a:t>AVANZIT</a:t>
                       </a:r>
                     </a:p>
                   </a:txBody>
-                  <a:tcPr/>
-                </a:tc>
-                <a:tc>
-                  <a:txBody>
-                    <a:bodyPr/>
-                    <a:lstStyle/>
-                    <a:p>
-                      <a:r>
-                        <a:t>JUIN</a:t>
-                      </a:r>
-                    </a:p>
-                  </a:txBody>
-                  <a:tcPr/>
-                </a:tc>
-                <a:tc>
-                  <a:txBody>
-                    <a:bodyPr/>
-                    <a:lstStyle/>
-                    <a:p>
-                      <a:r>
-                        <a:t>Du 01/06/2024 Au 31/09/2024</a:t>
-                      </a:r>
-                    </a:p>
-                  </a:txBody>
-                  <a:tcPr/>
-                </a:tc>
-                <a:tc>
-                  <a:txBody>
-                    <a:bodyPr/>
-                    <a:lstStyle/>
-                    <a:p>
-                      <a:r>
-                        <a:t>Du 01/06/2024 Au 31/09/2024</a:t>
-                      </a:r>
-                    </a:p>
-                  </a:txBody>
-                  <a:tcPr/>
-                </a:tc>
-                <a:tc>
-                  <a:txBody>
-                    <a:bodyPr/>
-                    <a:lstStyle/>
-                    <a:p/>
-                  </a:txBody>
-                  <a:tcPr/>
-                </a:tc>
-                <a:tc>
-                  <a:txBody>
-                    <a:bodyPr/>
-                    <a:lstStyle/>
-                    <a:p>
+                  <a:tcPr>
+                    <a:solidFill>
+                      <a:srgbClr val="F2F2F2"/>
+                    </a:solidFill>
+                  </a:tcPr>
+                </a:tc>
+                <a:tc>
+                  <a:txBody>
+                    <a:bodyPr tIns="18288" bIns="18288" lIns="45720" rIns="45720"/>
+                    <a:lstStyle/>
+                    <a:p>
+                      <a:pPr>
+                        <a:defRPr sz="700">
+                          <a:latin typeface="Arial Narrow"/>
+                        </a:defRPr>
+                      </a:pPr>
                       <a:r>
                         <a:t>0660127763 AZEDDINE</a:t>
                       </a:r>
                     </a:p>
                   </a:txBody>
-                  <a:tcPr/>
-                </a:tc>
-                <a:tc>
-                  <a:txBody>
-                    <a:bodyPr/>
-                    <a:lstStyle/>
-                    <a:p/>
-                  </a:txBody>
-                  <a:tcPr/>
-                </a:tc>
-                <a:tc>
-                  <a:txBody>
-                    <a:bodyPr/>
-                    <a:lstStyle/>
-                    <a:p>
+                  <a:tcPr>
+                    <a:solidFill>
+                      <a:srgbClr val="F2F2F2"/>
+                    </a:solidFill>
+                  </a:tcPr>
+                </a:tc>
+                <a:tc>
+                  <a:txBody>
+                    <a:bodyPr tIns="18288" bIns="18288" lIns="45720" rIns="45720"/>
+                    <a:lstStyle/>
+                    <a:p>
+                      <a:pPr>
+                        <a:defRPr sz="700">
+                          <a:latin typeface="Arial Narrow"/>
+                        </a:defRPr>
+                      </a:pPr>
                       <a:r>
                         <a:t>RABAT</a:t>
                       </a:r>
                     </a:p>
                   </a:txBody>
-                  <a:tcPr/>
-                </a:tc>
-                <a:tc>
-                  <a:txBody>
-                    <a:bodyPr/>
-                    <a:lstStyle/>
-                    <a:p>
+                  <a:tcPr>
+                    <a:solidFill>
+                      <a:srgbClr val="F2F2F2"/>
+                    </a:solidFill>
+                  </a:tcPr>
+                </a:tc>
+                <a:tc>
+                  <a:txBody>
+                    <a:bodyPr tIns="18288" bIns="18288" lIns="45720" rIns="45720"/>
+                    <a:lstStyle/>
+                    <a:p>
+                      <a:pPr>
+                        <a:defRPr sz="700">
+                          <a:latin typeface="Arial Narrow"/>
+                        </a:defRPr>
+                      </a:pPr>
                       <a:r>
                         <a:t>KENITRA</a:t>
                       </a:r>
                     </a:p>
                   </a:txBody>
-                  <a:tcPr/>
-                </a:tc>
-                <a:tc>
-                  <a:txBody>
-                    <a:bodyPr/>
-                    <a:lstStyle/>
-                    <a:p>
-                      <a:r>
-                        <a:t>34.25244433, -6.52158981</a:t>
-                      </a:r>
-                    </a:p>
-                  </a:txBody>
-                  <a:tcPr/>
-                </a:tc>
-                <a:tc>
-                  <a:txBody>
-                    <a:bodyPr/>
-                    <a:lstStyle/>
-                    <a:p>
-                      <a:r>
-                        <a:t>34.24736600, -6.54666200</a:t>
-                      </a:r>
-                    </a:p>
-                  </a:txBody>
-                  <a:tcPr/>
-                </a:tc>
-                <a:tc>
-                  <a:txBody>
-                    <a:bodyPr/>
-                    <a:lstStyle/>
-                    <a:p/>
-                  </a:txBody>
-                  <a:tcPr/>
-                </a:tc>
-                <a:tc>
-                  <a:txBody>
-                    <a:bodyPr/>
-                    <a:lstStyle/>
-                    <a:p/>
-                  </a:txBody>
-                  <a:tcPr/>
-                </a:tc>
-              </a:tr>
-              <a:tr h="268941">
-                <a:tc>
-                  <a:txBody>
-                    <a:bodyPr/>
-                    <a:lstStyle/>
-                    <a:p>
-                      <a:r>
-                        <a:t>KEN1040</a:t>
-                      </a:r>
-                    </a:p>
-                  </a:txBody>
-                  <a:tcPr/>
-                </a:tc>
-                <a:tc>
-                  <a:txBody>
-                    <a:bodyPr/>
-                    <a:lstStyle/>
-                    <a:p>
-                      <a:r>
-                        <a:t>AVANZIT</a:t>
-                      </a:r>
-                    </a:p>
-                  </a:txBody>
-                  <a:tcPr/>
-                </a:tc>
-                <a:tc>
-                  <a:txBody>
-                    <a:bodyPr/>
-                    <a:lstStyle/>
-                    <a:p>
-                      <a:r>
-                        <a:t>JUIN</a:t>
-                      </a:r>
-                    </a:p>
-                  </a:txBody>
-                  <a:tcPr/>
-                </a:tc>
-                <a:tc>
-                  <a:txBody>
-                    <a:bodyPr/>
-                    <a:lstStyle/>
-                    <a:p>
-                      <a:r>
-                        <a:t>Du 01/06/2024 Au 31/09/2024</a:t>
-                      </a:r>
-                    </a:p>
-                  </a:txBody>
-                  <a:tcPr/>
-                </a:tc>
-                <a:tc>
-                  <a:txBody>
-                    <a:bodyPr/>
-                    <a:lstStyle/>
-                    <a:p>
-                      <a:r>
-                        <a:t>Du 01/06/2024 Au 31/09/2024</a:t>
-                      </a:r>
-                    </a:p>
-                  </a:txBody>
-                  <a:tcPr/>
-                </a:tc>
-                <a:tc>
-                  <a:txBody>
-                    <a:bodyPr/>
-                    <a:lstStyle/>
-                    <a:p/>
-                  </a:txBody>
-                  <a:tcPr/>
-                </a:tc>
-                <a:tc>
-                  <a:txBody>
-                    <a:bodyPr/>
-                    <a:lstStyle/>
-                    <a:p>
-                      <a:r>
-                        <a:t>0660127763 AZEDDINE</a:t>
-                      </a:r>
-                    </a:p>
-                  </a:txBody>
-                  <a:tcPr/>
-                </a:tc>
-                <a:tc>
-                  <a:txBody>
-                    <a:bodyPr/>
-                    <a:lstStyle/>
-                    <a:p/>
-                  </a:txBody>
-                  <a:tcPr/>
-                </a:tc>
-                <a:tc>
-                  <a:txBody>
-                    <a:bodyPr/>
-                    <a:lstStyle/>
-                    <a:p>
-                      <a:r>
-                        <a:t>RABAT</a:t>
-                      </a:r>
-                    </a:p>
-                  </a:txBody>
-                  <a:tcPr/>
-                </a:tc>
-                <a:tc>
-                  <a:txBody>
-                    <a:bodyPr/>
-                    <a:lstStyle/>
-                    <a:p>
-                      <a:r>
-                        <a:t>KENITRA</a:t>
-                      </a:r>
-                    </a:p>
-                  </a:txBody>
-                  <a:tcPr/>
-                </a:tc>
-                <a:tc>
-                  <a:txBody>
-                    <a:bodyPr/>
-                    <a:lstStyle/>
-                    <a:p>
-                      <a:r>
-                        <a:t>34.25759010, -6.55197853</a:t>
-                      </a:r>
-                    </a:p>
-                  </a:txBody>
-                  <a:tcPr/>
-                </a:tc>
-                <a:tc>
-                  <a:txBody>
-                    <a:bodyPr/>
-                    <a:lstStyle/>
-                    <a:p>
-                      <a:r>
-                        <a:t>34.24930300, -6.55527600</a:t>
-                      </a:r>
-                    </a:p>
-                  </a:txBody>
-                  <a:tcPr/>
-                </a:tc>
-                <a:tc>
-                  <a:txBody>
-                    <a:bodyPr/>
-                    <a:lstStyle/>
-                    <a:p/>
-                  </a:txBody>
-                  <a:tcPr/>
-                </a:tc>
-                <a:tc>
-                  <a:txBody>
-                    <a:bodyPr/>
-                    <a:lstStyle/>
-                    <a:p/>
-                  </a:txBody>
-                  <a:tcPr/>
-                </a:tc>
-              </a:tr>
-              <a:tr h="268941">
-                <a:tc>
-                  <a:txBody>
-                    <a:bodyPr/>
-                    <a:lstStyle/>
-                    <a:p>
-                      <a:r>
-                        <a:t>KEN1049</a:t>
-                      </a:r>
-                    </a:p>
-                  </a:txBody>
-                  <a:tcPr/>
-                </a:tc>
-                <a:tc>
-                  <a:txBody>
-                    <a:bodyPr/>
-                    <a:lstStyle/>
-                    <a:p>
-                      <a:r>
-                        <a:t>AVANZIT</a:t>
-                      </a:r>
-                    </a:p>
-                  </a:txBody>
-                  <a:tcPr/>
-                </a:tc>
-                <a:tc>
-                  <a:txBody>
-                    <a:bodyPr/>
-                    <a:lstStyle/>
-                    <a:p>
-                      <a:r>
-                        <a:t>JUIN</a:t>
-                      </a:r>
-                    </a:p>
-                  </a:txBody>
-                  <a:tcPr/>
-                </a:tc>
-                <a:tc>
-                  <a:txBody>
-                    <a:bodyPr/>
-                    <a:lstStyle/>
-                    <a:p>
-                      <a:r>
-                        <a:t>Du 01/06/2024 Au 31/09/2024</a:t>
-                      </a:r>
-                    </a:p>
-                  </a:txBody>
-                  <a:tcPr/>
-                </a:tc>
-                <a:tc>
-                  <a:txBody>
-                    <a:bodyPr/>
-                    <a:lstStyle/>
-                    <a:p>
-                      <a:r>
-                        <a:t>Du 01/06/2024 Au 31/09/2024</a:t>
-                      </a:r>
-                    </a:p>
-                  </a:txBody>
-                  <a:tcPr/>
-                </a:tc>
-                <a:tc>
-                  <a:txBody>
-                    <a:bodyPr/>
-                    <a:lstStyle/>
-                    <a:p/>
-                  </a:txBody>
-                  <a:tcPr/>
-                </a:tc>
-                <a:tc>
-                  <a:txBody>
-                    <a:bodyPr/>
-                    <a:lstStyle/>
-                    <a:p>
-                      <a:r>
-                        <a:t>0660127763 AZEDDINE</a:t>
-                      </a:r>
-                    </a:p>
-                  </a:txBody>
-                  <a:tcPr/>
-                </a:tc>
-                <a:tc>
-                  <a:txBody>
-                    <a:bodyPr/>
-                    <a:lstStyle/>
-                    <a:p/>
-                  </a:txBody>
-                  <a:tcPr/>
-                </a:tc>
-                <a:tc>
-                  <a:txBody>
-                    <a:bodyPr/>
-                    <a:lstStyle/>
-                    <a:p>
-                      <a:r>
-                        <a:t>RABAT</a:t>
-                      </a:r>
-                    </a:p>
-                  </a:txBody>
-                  <a:tcPr/>
-                </a:tc>
-                <a:tc>
-                  <a:txBody>
-                    <a:bodyPr/>
-                    <a:lstStyle/>
-                    <a:p>
-                      <a:r>
-                        <a:t>KENITRA</a:t>
-                      </a:r>
-                    </a:p>
-                  </a:txBody>
-                  <a:tcPr/>
-                </a:tc>
-                <a:tc>
-                  <a:txBody>
-                    <a:bodyPr/>
-                    <a:lstStyle/>
-                    <a:p>
-                      <a:r>
-                        <a:t>34.26189000, -6.57102000</a:t>
-                      </a:r>
-                    </a:p>
-                  </a:txBody>
-                  <a:tcPr/>
-                </a:tc>
-                <a:tc>
-                  <a:txBody>
-                    <a:bodyPr/>
-                    <a:lstStyle/>
-                    <a:p>
-                      <a:r>
-                        <a:t>34.26331500, -6.57105200</a:t>
-                      </a:r>
-                    </a:p>
-                  </a:txBody>
-                  <a:tcPr/>
-                </a:tc>
-                <a:tc>
-                  <a:txBody>
-                    <a:bodyPr/>
-                    <a:lstStyle/>
-                    <a:p/>
-                  </a:txBody>
-                  <a:tcPr/>
-                </a:tc>
-                <a:tc>
-                  <a:txBody>
-                    <a:bodyPr/>
-                    <a:lstStyle/>
-                    <a:p/>
-                  </a:txBody>
-                  <a:tcPr/>
-                </a:tc>
-              </a:tr>
-              <a:tr h="268941">
-                <a:tc>
-                  <a:txBody>
-                    <a:bodyPr/>
-                    <a:lstStyle/>
-                    <a:p>
-                      <a:r>
-                        <a:t>KEN1052</a:t>
-                      </a:r>
-                    </a:p>
-                  </a:txBody>
-                  <a:tcPr/>
-                </a:tc>
-                <a:tc>
-                  <a:txBody>
-                    <a:bodyPr/>
-                    <a:lstStyle/>
-                    <a:p>
-                      <a:r>
-                        <a:t>AVANZIT</a:t>
-                      </a:r>
-                    </a:p>
-                  </a:txBody>
-                  <a:tcPr/>
-                </a:tc>
-                <a:tc>
-                  <a:txBody>
-                    <a:bodyPr/>
-                    <a:lstStyle/>
-                    <a:p>
-                      <a:r>
-                        <a:t>JUIN</a:t>
-                      </a:r>
-                    </a:p>
-                  </a:txBody>
-                  <a:tcPr/>
-                </a:tc>
-                <a:tc>
-                  <a:txBody>
-                    <a:bodyPr/>
-                    <a:lstStyle/>
-                    <a:p>
-                      <a:r>
-                        <a:t>Du 01/06/2024 Au 31/09/2024</a:t>
-                      </a:r>
-                    </a:p>
-                  </a:txBody>
-                  <a:tcPr/>
-                </a:tc>
-                <a:tc>
-                  <a:txBody>
-                    <a:bodyPr/>
-                    <a:lstStyle/>
-                    <a:p>
-                      <a:r>
-                        <a:t>Du 01/06/2024 Au 31/09/2024</a:t>
-                      </a:r>
-                    </a:p>
-                  </a:txBody>
-                  <a:tcPr/>
-                </a:tc>
-                <a:tc>
-                  <a:txBody>
-                    <a:bodyPr/>
-                    <a:lstStyle/>
-                    <a:p/>
-                  </a:txBody>
-                  <a:tcPr/>
-                </a:tc>
-                <a:tc>
-                  <a:txBody>
-                    <a:bodyPr/>
-                    <a:lstStyle/>
-                    <a:p>
-                      <a:r>
-                        <a:t>0660127763 AZEDDINE</a:t>
-                      </a:r>
-                    </a:p>
-                  </a:txBody>
-                  <a:tcPr/>
-                </a:tc>
-                <a:tc>
-                  <a:txBody>
-                    <a:bodyPr/>
-                    <a:lstStyle/>
-                    <a:p/>
-                  </a:txBody>
-                  <a:tcPr/>
-                </a:tc>
-                <a:tc>
-                  <a:txBody>
-                    <a:bodyPr/>
-                    <a:lstStyle/>
-                    <a:p>
-                      <a:r>
-                        <a:t>RABAT</a:t>
-                      </a:r>
-                    </a:p>
-                  </a:txBody>
-                  <a:tcPr/>
-                </a:tc>
-                <a:tc>
-                  <a:txBody>
-                    <a:bodyPr/>
-                    <a:lstStyle/>
-                    <a:p>
-                      <a:r>
-                        <a:t>KENITRA</a:t>
-                      </a:r>
-                    </a:p>
-                  </a:txBody>
-                  <a:tcPr/>
-                </a:tc>
-                <a:tc>
-                  <a:txBody>
-                    <a:bodyPr/>
-                    <a:lstStyle/>
-                    <a:p>
-                      <a:r>
-                        <a:t>34.23416800, -6.52999800</a:t>
-                      </a:r>
-                    </a:p>
-                  </a:txBody>
-                  <a:tcPr/>
-                </a:tc>
-                <a:tc>
-                  <a:txBody>
-                    <a:bodyPr/>
-                    <a:lstStyle/>
-                    <a:p>
-                      <a:r>
-                        <a:t>34.23914016, -6.54668213</a:t>
-                      </a:r>
-                    </a:p>
-                  </a:txBody>
-                  <a:tcPr/>
-                </a:tc>
-                <a:tc>
-                  <a:txBody>
-                    <a:bodyPr/>
-                    <a:lstStyle/>
-                    <a:p/>
-                  </a:txBody>
-                  <a:tcPr/>
-                </a:tc>
-                <a:tc>
-                  <a:txBody>
-                    <a:bodyPr/>
-                    <a:lstStyle/>
-                    <a:p/>
-                  </a:txBody>
-                  <a:tcPr/>
-                </a:tc>
-              </a:tr>
-              <a:tr h="268941">
-                <a:tc>
-                  <a:txBody>
-                    <a:bodyPr/>
-                    <a:lstStyle/>
-                    <a:p>
-                      <a:r>
-                        <a:t>KEN1058</a:t>
-                      </a:r>
-                    </a:p>
-                  </a:txBody>
-                  <a:tcPr/>
-                </a:tc>
-                <a:tc>
-                  <a:txBody>
-                    <a:bodyPr/>
-                    <a:lstStyle/>
-                    <a:p>
-                      <a:r>
-                        <a:t>AVANZIT</a:t>
-                      </a:r>
-                    </a:p>
-                  </a:txBody>
-                  <a:tcPr/>
-                </a:tc>
-                <a:tc>
-                  <a:txBody>
-                    <a:bodyPr/>
-                    <a:lstStyle/>
-                    <a:p>
-                      <a:r>
-                        <a:t>JUIN</a:t>
-                      </a:r>
-                    </a:p>
-                  </a:txBody>
-                  <a:tcPr/>
-                </a:tc>
-                <a:tc>
-                  <a:txBody>
-                    <a:bodyPr/>
-                    <a:lstStyle/>
-                    <a:p>
-                      <a:r>
-                        <a:t>Du 01/06/2024 Au 31/09/2024</a:t>
-                      </a:r>
-                    </a:p>
-                  </a:txBody>
-                  <a:tcPr/>
-                </a:tc>
-                <a:tc>
-                  <a:txBody>
-                    <a:bodyPr/>
-                    <a:lstStyle/>
-                    <a:p>
-                      <a:r>
-                        <a:t>Du 01/06/2024 Au 31/09/2024</a:t>
-                      </a:r>
-                    </a:p>
-                  </a:txBody>
-                  <a:tcPr/>
-                </a:tc>
-                <a:tc>
-                  <a:txBody>
-                    <a:bodyPr/>
-                    <a:lstStyle/>
-                    <a:p/>
-                  </a:txBody>
-                  <a:tcPr/>
-                </a:tc>
-                <a:tc>
-                  <a:txBody>
-                    <a:bodyPr/>
-                    <a:lstStyle/>
-                    <a:p>
-                      <a:r>
-                        <a:t>0660127763 AZEDDINE</a:t>
-                      </a:r>
-                    </a:p>
-                  </a:txBody>
-                  <a:tcPr/>
-                </a:tc>
-                <a:tc>
-                  <a:txBody>
-                    <a:bodyPr/>
-                    <a:lstStyle/>
-                    <a:p/>
-                  </a:txBody>
-                  <a:tcPr/>
-                </a:tc>
-                <a:tc>
-                  <a:txBody>
-                    <a:bodyPr/>
-                    <a:lstStyle/>
-                    <a:p>
-                      <a:r>
-                        <a:t>RABAT</a:t>
-                      </a:r>
-                    </a:p>
-                  </a:txBody>
-                  <a:tcPr/>
-                </a:tc>
-                <a:tc>
-                  <a:txBody>
-                    <a:bodyPr/>
-                    <a:lstStyle/>
-                    <a:p>
-                      <a:r>
-                        <a:t>KENITRA</a:t>
-                      </a:r>
-                    </a:p>
-                  </a:txBody>
-                  <a:tcPr/>
-                </a:tc>
-                <a:tc>
-                  <a:txBody>
-                    <a:bodyPr/>
-                    <a:lstStyle/>
-                    <a:p>
-                      <a:r>
-                        <a:t>34.21948965, -6.61459172</a:t>
-                      </a:r>
-                    </a:p>
-                  </a:txBody>
-                  <a:tcPr/>
-                </a:tc>
-                <a:tc>
-                  <a:txBody>
-                    <a:bodyPr/>
-                    <a:lstStyle/>
-                    <a:p>
-                      <a:r>
-                        <a:t>34.23427898, -6.61676285</a:t>
-                      </a:r>
-                    </a:p>
-                  </a:txBody>
-                  <a:tcPr/>
-                </a:tc>
-                <a:tc>
-                  <a:txBody>
-                    <a:bodyPr/>
-                    <a:lstStyle/>
-                    <a:p/>
-                  </a:txBody>
-                  <a:tcPr/>
-                </a:tc>
-                <a:tc>
-                  <a:txBody>
-                    <a:bodyPr/>
-                    <a:lstStyle/>
-                    <a:p/>
-                  </a:txBody>
-                  <a:tcPr/>
-                </a:tc>
-              </a:tr>
-              <a:tr h="268941">
-                <a:tc>
-                  <a:txBody>
-                    <a:bodyPr/>
-                    <a:lstStyle/>
-                    <a:p>
-                      <a:r>
-                        <a:t>KEN1075</a:t>
-                      </a:r>
-                    </a:p>
-                  </a:txBody>
-                  <a:tcPr/>
-                </a:tc>
-                <a:tc>
-                  <a:txBody>
-                    <a:bodyPr/>
-                    <a:lstStyle/>
-                    <a:p>
-                      <a:r>
-                        <a:t>AVANZIT</a:t>
-                      </a:r>
-                    </a:p>
-                  </a:txBody>
-                  <a:tcPr/>
-                </a:tc>
-                <a:tc>
-                  <a:txBody>
-                    <a:bodyPr/>
-                    <a:lstStyle/>
-                    <a:p>
-                      <a:r>
-                        <a:t>JUIN</a:t>
-                      </a:r>
-                    </a:p>
-                  </a:txBody>
-                  <a:tcPr/>
-                </a:tc>
-                <a:tc>
-                  <a:txBody>
-                    <a:bodyPr/>
-                    <a:lstStyle/>
-                    <a:p>
-                      <a:r>
-                        <a:t>Du 01/06/2024 Au 31/09/2024</a:t>
-                      </a:r>
-                    </a:p>
-                  </a:txBody>
-                  <a:tcPr/>
-                </a:tc>
-                <a:tc>
-                  <a:txBody>
-                    <a:bodyPr/>
-                    <a:lstStyle/>
-                    <a:p>
-                      <a:r>
-                        <a:t>Du 01/06/2024 Au 31/09/2024</a:t>
-                      </a:r>
-                    </a:p>
-                  </a:txBody>
-                  <a:tcPr/>
-                </a:tc>
-                <a:tc>
-                  <a:txBody>
-                    <a:bodyPr/>
-                    <a:lstStyle/>
-                    <a:p/>
-                  </a:txBody>
-                  <a:tcPr/>
-                </a:tc>
-                <a:tc>
-                  <a:txBody>
-                    <a:bodyPr/>
-                    <a:lstStyle/>
-                    <a:p>
-                      <a:r>
-                        <a:t>0660127763 AZEDDINE</a:t>
-                      </a:r>
-                    </a:p>
-                  </a:txBody>
-                  <a:tcPr/>
-                </a:tc>
-                <a:tc>
-                  <a:txBody>
-                    <a:bodyPr/>
-                    <a:lstStyle/>
-                    <a:p/>
-                  </a:txBody>
-                  <a:tcPr/>
-                </a:tc>
-                <a:tc>
-                  <a:txBody>
-                    <a:bodyPr/>
-                    <a:lstStyle/>
-                    <a:p>
-                      <a:r>
-                        <a:t>RABAT</a:t>
-                      </a:r>
-                    </a:p>
-                  </a:txBody>
-                  <a:tcPr/>
-                </a:tc>
-                <a:tc>
-                  <a:txBody>
-                    <a:bodyPr/>
-                    <a:lstStyle/>
-                    <a:p>
-                      <a:r>
-                        <a:t>KENITRA</a:t>
-                      </a:r>
-                    </a:p>
-                  </a:txBody>
-                  <a:tcPr/>
-                </a:tc>
-                <a:tc>
-                  <a:txBody>
-                    <a:bodyPr/>
-                    <a:lstStyle/>
-                    <a:p>
-                      <a:r>
-                        <a:t>34.22774847, -6.54663547</a:t>
-                      </a:r>
-                    </a:p>
-                  </a:txBody>
-                  <a:tcPr/>
-                </a:tc>
-                <a:tc>
-                  <a:txBody>
-                    <a:bodyPr/>
-                    <a:lstStyle/>
-                    <a:p>
-                      <a:r>
-                        <a:t>34.23819807, -6.55612815</a:t>
-                      </a:r>
-                    </a:p>
-                  </a:txBody>
-                  <a:tcPr/>
-                </a:tc>
-                <a:tc>
-                  <a:txBody>
-                    <a:bodyPr/>
-                    <a:lstStyle/>
-                    <a:p/>
-                  </a:txBody>
-                  <a:tcPr/>
-                </a:tc>
-                <a:tc>
-                  <a:txBody>
-                    <a:bodyPr/>
-                    <a:lstStyle/>
-                    <a:p/>
-                  </a:txBody>
-                  <a:tcPr/>
-                </a:tc>
-              </a:tr>
-              <a:tr h="268941">
-                <a:tc>
-                  <a:txBody>
-                    <a:bodyPr/>
-                    <a:lstStyle/>
-                    <a:p>
-                      <a:r>
-                        <a:t>KEN1080</a:t>
-                      </a:r>
-                    </a:p>
-                  </a:txBody>
-                  <a:tcPr/>
-                </a:tc>
-                <a:tc>
-                  <a:txBody>
-                    <a:bodyPr/>
-                    <a:lstStyle/>
-                    <a:p>
-                      <a:r>
-                        <a:t>AVANZIT</a:t>
-                      </a:r>
-                    </a:p>
-                  </a:txBody>
-                  <a:tcPr/>
-                </a:tc>
-                <a:tc>
-                  <a:txBody>
-                    <a:bodyPr/>
-                    <a:lstStyle/>
-                    <a:p>
-                      <a:r>
-                        <a:t>JUIN</a:t>
-                      </a:r>
-                    </a:p>
-                  </a:txBody>
-                  <a:tcPr/>
-                </a:tc>
-                <a:tc>
-                  <a:txBody>
-                    <a:bodyPr/>
-                    <a:lstStyle/>
-                    <a:p>
-                      <a:r>
-                        <a:t>Du 01/06/2024 Au 31/09/2024</a:t>
-                      </a:r>
-                    </a:p>
-                  </a:txBody>
-                  <a:tcPr/>
-                </a:tc>
-                <a:tc>
-                  <a:txBody>
-                    <a:bodyPr/>
-                    <a:lstStyle/>
-                    <a:p>
-                      <a:r>
-                        <a:t>Du 01/06/2024 Au 31/09/2024</a:t>
-                      </a:r>
-                    </a:p>
-                  </a:txBody>
-                  <a:tcPr/>
-                </a:tc>
-                <a:tc>
-                  <a:txBody>
-                    <a:bodyPr/>
-                    <a:lstStyle/>
-                    <a:p/>
-                  </a:txBody>
-                  <a:tcPr/>
-                </a:tc>
-                <a:tc>
-                  <a:txBody>
-                    <a:bodyPr/>
-                    <a:lstStyle/>
-                    <a:p>
-                      <a:r>
-                        <a:t>0660127763 AZEDDINE</a:t>
-                      </a:r>
-                    </a:p>
-                  </a:txBody>
-                  <a:tcPr/>
-                </a:tc>
-                <a:tc>
-                  <a:txBody>
-                    <a:bodyPr/>
-                    <a:lstStyle/>
-                    <a:p/>
-                  </a:txBody>
-                  <a:tcPr/>
-                </a:tc>
-                <a:tc>
-                  <a:txBody>
-                    <a:bodyPr/>
-                    <a:lstStyle/>
-                    <a:p>
-                      <a:r>
-                        <a:t>RABAT</a:t>
-                      </a:r>
-                    </a:p>
-                  </a:txBody>
-                  <a:tcPr/>
-                </a:tc>
-                <a:tc>
-                  <a:txBody>
-                    <a:bodyPr/>
-                    <a:lstStyle/>
-                    <a:p>
-                      <a:r>
-                        <a:t>KENITRA</a:t>
-                      </a:r>
-                    </a:p>
-                  </a:txBody>
-                  <a:tcPr/>
-                </a:tc>
-                <a:tc>
-                  <a:txBody>
-                    <a:bodyPr/>
-                    <a:lstStyle/>
-                    <a:p>
-                      <a:r>
-                        <a:t>34.25117351, -6.55618354</a:t>
-                      </a:r>
-                    </a:p>
-                  </a:txBody>
-                  <a:tcPr/>
-                </a:tc>
-                <a:tc>
-                  <a:txBody>
-                    <a:bodyPr/>
-                    <a:lstStyle/>
-                    <a:p>
-                      <a:r>
-                        <a:t>34.25101400, -6.55682100</a:t>
-                      </a:r>
-                    </a:p>
-                  </a:txBody>
-                  <a:tcPr/>
-                </a:tc>
-                <a:tc>
-                  <a:txBody>
-                    <a:bodyPr/>
-                    <a:lstStyle/>
-                    <a:p/>
-                  </a:txBody>
-                  <a:tcPr/>
-                </a:tc>
-                <a:tc>
-                  <a:txBody>
-                    <a:bodyPr/>
-                    <a:lstStyle/>
-                    <a:p/>
-                  </a:txBody>
-                  <a:tcPr/>
-                </a:tc>
-              </a:tr>
-              <a:tr h="268941">
-                <a:tc>
-                  <a:txBody>
-                    <a:bodyPr/>
-                    <a:lstStyle/>
-                    <a:p>
-                      <a:r>
-                        <a:t>KEN1090</a:t>
-                      </a:r>
-                    </a:p>
-                  </a:txBody>
-                  <a:tcPr/>
-                </a:tc>
-                <a:tc>
-                  <a:txBody>
-                    <a:bodyPr/>
-                    <a:lstStyle/>
-                    <a:p>
-                      <a:r>
-                        <a:t>AVANZIT</a:t>
-                      </a:r>
-                    </a:p>
-                  </a:txBody>
-                  <a:tcPr/>
-                </a:tc>
-                <a:tc>
-                  <a:txBody>
-                    <a:bodyPr/>
-                    <a:lstStyle/>
-                    <a:p>
-                      <a:r>
-                        <a:t>JUIN</a:t>
-                      </a:r>
-                    </a:p>
-                  </a:txBody>
-                  <a:tcPr/>
-                </a:tc>
-                <a:tc>
-                  <a:txBody>
-                    <a:bodyPr/>
-                    <a:lstStyle/>
-                    <a:p>
-                      <a:r>
-                        <a:t>Du 01/06/2024 Au 31/09/2024</a:t>
-                      </a:r>
-                    </a:p>
-                  </a:txBody>
-                  <a:tcPr/>
-                </a:tc>
-                <a:tc>
-                  <a:txBody>
-                    <a:bodyPr/>
-                    <a:lstStyle/>
-                    <a:p>
-                      <a:r>
-                        <a:t>Du 01/06/2024 Au 31/09/2024</a:t>
-                      </a:r>
-                    </a:p>
-                  </a:txBody>
-                  <a:tcPr/>
-                </a:tc>
-                <a:tc>
-                  <a:txBody>
-                    <a:bodyPr/>
-                    <a:lstStyle/>
-                    <a:p/>
-                  </a:txBody>
-                  <a:tcPr/>
-                </a:tc>
-                <a:tc>
-                  <a:txBody>
-                    <a:bodyPr/>
-                    <a:lstStyle/>
-                    <a:p>
-                      <a:r>
-                        <a:t>0660127763 AZEDDINE</a:t>
-                      </a:r>
-                    </a:p>
-                  </a:txBody>
-                  <a:tcPr/>
-                </a:tc>
-                <a:tc>
-                  <a:txBody>
-                    <a:bodyPr/>
-                    <a:lstStyle/>
-                    <a:p/>
-                  </a:txBody>
-                  <a:tcPr/>
-                </a:tc>
-                <a:tc>
-                  <a:txBody>
-                    <a:bodyPr/>
-                    <a:lstStyle/>
-                    <a:p>
-                      <a:r>
-                        <a:t>RABAT</a:t>
-                      </a:r>
-                    </a:p>
-                  </a:txBody>
-                  <a:tcPr/>
-                </a:tc>
-                <a:tc>
-                  <a:txBody>
-                    <a:bodyPr/>
-                    <a:lstStyle/>
-                    <a:p>
-                      <a:r>
-                        <a:t>KENITRA</a:t>
-                      </a:r>
-                    </a:p>
-                  </a:txBody>
-                  <a:tcPr/>
-                </a:tc>
-                <a:tc>
-                  <a:txBody>
-                    <a:bodyPr/>
-                    <a:lstStyle/>
-                    <a:p>
-                      <a:r>
-                        <a:t>34.23286800, -6.61573200</a:t>
-                      </a:r>
-                    </a:p>
-                  </a:txBody>
-                  <a:tcPr/>
-                </a:tc>
-                <a:tc>
-                  <a:txBody>
-                    <a:bodyPr/>
-                    <a:lstStyle/>
-                    <a:p>
-                      <a:r>
-                        <a:t>34.23424651, -6.61654371</a:t>
-                      </a:r>
-                    </a:p>
-                  </a:txBody>
-                  <a:tcPr/>
-                </a:tc>
-                <a:tc>
-                  <a:txBody>
-                    <a:bodyPr/>
-                    <a:lstStyle/>
-                    <a:p/>
-                  </a:txBody>
-                  <a:tcPr/>
-                </a:tc>
-                <a:tc>
-                  <a:txBody>
-                    <a:bodyPr/>
-                    <a:lstStyle/>
-                    <a:p/>
-                  </a:txBody>
-                  <a:tcPr/>
-                </a:tc>
-              </a:tr>
-              <a:tr h="268941">
-                <a:tc>
-                  <a:txBody>
-                    <a:bodyPr/>
-                    <a:lstStyle/>
-                    <a:p>
-                      <a:r>
-                        <a:t>KEN1092</a:t>
-                      </a:r>
-                    </a:p>
-                  </a:txBody>
-                  <a:tcPr/>
-                </a:tc>
-                <a:tc>
-                  <a:txBody>
-                    <a:bodyPr/>
-                    <a:lstStyle/>
-                    <a:p>
-                      <a:r>
-                        <a:t>AVANZIT</a:t>
-                      </a:r>
-                    </a:p>
-                  </a:txBody>
-                  <a:tcPr/>
-                </a:tc>
-                <a:tc>
-                  <a:txBody>
-                    <a:bodyPr/>
-                    <a:lstStyle/>
-                    <a:p>
-                      <a:r>
-                        <a:t>JUIN</a:t>
-                      </a:r>
-                    </a:p>
-                  </a:txBody>
-                  <a:tcPr/>
-                </a:tc>
-                <a:tc>
-                  <a:txBody>
-                    <a:bodyPr/>
-                    <a:lstStyle/>
-                    <a:p>
-                      <a:r>
-                        <a:t>Du 01/06/2024 Au 31/09/2024</a:t>
-                      </a:r>
-                    </a:p>
-                  </a:txBody>
-                  <a:tcPr/>
-                </a:tc>
-                <a:tc>
-                  <a:txBody>
-                    <a:bodyPr/>
-                    <a:lstStyle/>
-                    <a:p>
-                      <a:r>
-                        <a:t>Du 01/06/2024 Au 31/09/2024</a:t>
-                      </a:r>
-                    </a:p>
-                  </a:txBody>
-                  <a:tcPr/>
-                </a:tc>
-                <a:tc>
-                  <a:txBody>
-                    <a:bodyPr/>
-                    <a:lstStyle/>
-                    <a:p/>
-                  </a:txBody>
-                  <a:tcPr/>
-                </a:tc>
-                <a:tc>
-                  <a:txBody>
-                    <a:bodyPr/>
-                    <a:lstStyle/>
-                    <a:p>
-                      <a:r>
-                        <a:t>0660127763 AZEDDINE</a:t>
-                      </a:r>
-                    </a:p>
-                  </a:txBody>
-                  <a:tcPr/>
-                </a:tc>
-                <a:tc>
-                  <a:txBody>
-                    <a:bodyPr/>
-                    <a:lstStyle/>
-                    <a:p/>
-                  </a:txBody>
-                  <a:tcPr/>
-                </a:tc>
-                <a:tc>
-                  <a:txBody>
-                    <a:bodyPr/>
-                    <a:lstStyle/>
-                    <a:p>
-                      <a:r>
-                        <a:t>RABAT</a:t>
-                      </a:r>
-                    </a:p>
-                  </a:txBody>
-                  <a:tcPr/>
-                </a:tc>
-                <a:tc>
-                  <a:txBody>
-                    <a:bodyPr/>
-                    <a:lstStyle/>
-                    <a:p>
-                      <a:r>
-                        <a:t>KENITRA</a:t>
-                      </a:r>
-                    </a:p>
-                  </a:txBody>
-                  <a:tcPr/>
-                </a:tc>
-                <a:tc>
-                  <a:txBody>
-                    <a:bodyPr/>
-                    <a:lstStyle/>
-                    <a:p>
-                      <a:r>
-                        <a:t>34.22956650, -6.53120207</a:t>
-                      </a:r>
-                    </a:p>
-                  </a:txBody>
-                  <a:tcPr/>
-                </a:tc>
-                <a:tc>
-                  <a:txBody>
-                    <a:bodyPr/>
-                    <a:lstStyle/>
-                    <a:p>
-                      <a:r>
-                        <a:t>34.23914016, -6.54668213</a:t>
-                      </a:r>
-                    </a:p>
-                  </a:txBody>
-                  <a:tcPr/>
-                </a:tc>
-                <a:tc>
-                  <a:txBody>
-                    <a:bodyPr/>
-                    <a:lstStyle/>
-                    <a:p/>
-                  </a:txBody>
-                  <a:tcPr/>
-                </a:tc>
-                <a:tc>
-                  <a:txBody>
-                    <a:bodyPr/>
-                    <a:lstStyle/>
-                    <a:p/>
-                  </a:txBody>
-                  <a:tcPr/>
-                </a:tc>
-              </a:tr>
-              <a:tr h="268941">
-                <a:tc>
-                  <a:txBody>
-                    <a:bodyPr/>
-                    <a:lstStyle/>
-                    <a:p>
-                      <a:r>
-                        <a:t>KEN151</a:t>
-                      </a:r>
-                    </a:p>
-                  </a:txBody>
-                  <a:tcPr/>
-                </a:tc>
-                <a:tc>
-                  <a:txBody>
-                    <a:bodyPr/>
-                    <a:lstStyle/>
-                    <a:p>
-                      <a:r>
-                        <a:t>AVANZIT</a:t>
-                      </a:r>
-                    </a:p>
-                  </a:txBody>
-                  <a:tcPr/>
-                </a:tc>
-                <a:tc>
-                  <a:txBody>
-                    <a:bodyPr/>
-                    <a:lstStyle/>
-                    <a:p>
-                      <a:r>
-                        <a:t>JUIN</a:t>
-                      </a:r>
-                    </a:p>
-                  </a:txBody>
-                  <a:tcPr/>
-                </a:tc>
-                <a:tc>
-                  <a:txBody>
-                    <a:bodyPr/>
-                    <a:lstStyle/>
-                    <a:p>
-                      <a:r>
-                        <a:t>Du 01/06/2024 Au 31/09/2024</a:t>
-                      </a:r>
-                    </a:p>
-                  </a:txBody>
-                  <a:tcPr/>
-                </a:tc>
-                <a:tc>
-                  <a:txBody>
-                    <a:bodyPr/>
-                    <a:lstStyle/>
-                    <a:p>
-                      <a:r>
-                        <a:t>Du 01/06/2024 Au 31/09/2024</a:t>
-                      </a:r>
-                    </a:p>
-                  </a:txBody>
-                  <a:tcPr/>
-                </a:tc>
-                <a:tc>
-                  <a:txBody>
-                    <a:bodyPr/>
-                    <a:lstStyle/>
-                    <a:p/>
-                  </a:txBody>
-                  <a:tcPr/>
-                </a:tc>
-                <a:tc>
-                  <a:txBody>
-                    <a:bodyPr/>
-                    <a:lstStyle/>
-                    <a:p>
-                      <a:r>
-                        <a:t>0660127763 AZEDDINE</a:t>
-                      </a:r>
-                    </a:p>
-                  </a:txBody>
-                  <a:tcPr/>
-                </a:tc>
-                <a:tc>
-                  <a:txBody>
-                    <a:bodyPr/>
-                    <a:lstStyle/>
-                    <a:p/>
-                  </a:txBody>
-                  <a:tcPr/>
-                </a:tc>
-                <a:tc>
-                  <a:txBody>
-                    <a:bodyPr/>
-                    <a:lstStyle/>
-                    <a:p>
-                      <a:r>
-                        <a:t>RABAT</a:t>
-                      </a:r>
-                    </a:p>
-                  </a:txBody>
-                  <a:tcPr/>
-                </a:tc>
-                <a:tc>
-                  <a:txBody>
-                    <a:bodyPr/>
-                    <a:lstStyle/>
-                    <a:p>
-                      <a:r>
-                        <a:t>KENITRA</a:t>
-                      </a:r>
-                    </a:p>
-                  </a:txBody>
-                  <a:tcPr/>
-                </a:tc>
-                <a:tc>
-                  <a:txBody>
-                    <a:bodyPr/>
-                    <a:lstStyle/>
-                    <a:p>
-                      <a:r>
-                        <a:t>34.22355450, -6.53557198</a:t>
-                      </a:r>
-                    </a:p>
-                  </a:txBody>
-                  <a:tcPr/>
-                </a:tc>
-                <a:tc>
-                  <a:txBody>
-                    <a:bodyPr/>
-                    <a:lstStyle/>
-                    <a:p>
-                      <a:r>
-                        <a:t>34.22956650, -6.53120207</a:t>
-                      </a:r>
-                    </a:p>
-                  </a:txBody>
-                  <a:tcPr/>
-                </a:tc>
-                <a:tc>
-                  <a:txBody>
-                    <a:bodyPr/>
-                    <a:lstStyle/>
-                    <a:p/>
-                  </a:txBody>
-                  <a:tcPr/>
-                </a:tc>
-                <a:tc>
-                  <a:txBody>
-                    <a:bodyPr/>
-                    <a:lstStyle/>
-                    <a:p/>
-                  </a:txBody>
-                  <a:tcPr/>
-                </a:tc>
-              </a:tr>
-              <a:tr h="268941">
-                <a:tc>
-                  <a:txBody>
-                    <a:bodyPr/>
-                    <a:lstStyle/>
-                    <a:p>
-                      <a:r>
-                        <a:t>KEN157</a:t>
-                      </a:r>
-                    </a:p>
-                  </a:txBody>
-                  <a:tcPr/>
-                </a:tc>
-                <a:tc>
-                  <a:txBody>
-                    <a:bodyPr/>
-                    <a:lstStyle/>
-                    <a:p>
-                      <a:r>
-                        <a:t>AVANZIT</a:t>
-                      </a:r>
-                    </a:p>
-                  </a:txBody>
-                  <a:tcPr/>
-                </a:tc>
-                <a:tc>
-                  <a:txBody>
-                    <a:bodyPr/>
-                    <a:lstStyle/>
-                    <a:p>
-                      <a:r>
-                        <a:t>JUIN</a:t>
-                      </a:r>
-                    </a:p>
-                  </a:txBody>
-                  <a:tcPr/>
-                </a:tc>
-                <a:tc>
-                  <a:txBody>
-                    <a:bodyPr/>
-                    <a:lstStyle/>
-                    <a:p>
-                      <a:r>
-                        <a:t>Du 01/06/2024 Au 31/09/2024</a:t>
-                      </a:r>
-                    </a:p>
-                  </a:txBody>
-                  <a:tcPr/>
-                </a:tc>
-                <a:tc>
-                  <a:txBody>
-                    <a:bodyPr/>
-                    <a:lstStyle/>
-                    <a:p>
-                      <a:r>
-                        <a:t>Du 01/06/2024 Au 31/09/2024</a:t>
-                      </a:r>
-                    </a:p>
-                  </a:txBody>
-                  <a:tcPr/>
-                </a:tc>
-                <a:tc>
-                  <a:txBody>
-                    <a:bodyPr/>
-                    <a:lstStyle/>
-                    <a:p/>
-                  </a:txBody>
-                  <a:tcPr/>
-                </a:tc>
-                <a:tc>
-                  <a:txBody>
-                    <a:bodyPr/>
-                    <a:lstStyle/>
-                    <a:p>
-                      <a:r>
-                        <a:t>0660127763 AZEDDINE</a:t>
-                      </a:r>
-                    </a:p>
-                  </a:txBody>
-                  <a:tcPr/>
-                </a:tc>
-                <a:tc>
-                  <a:txBody>
-                    <a:bodyPr/>
-                    <a:lstStyle/>
-                    <a:p/>
-                  </a:txBody>
-                  <a:tcPr/>
-                </a:tc>
-                <a:tc>
-                  <a:txBody>
-                    <a:bodyPr/>
-                    <a:lstStyle/>
-                    <a:p>
-                      <a:r>
-                        <a:t>RABAT</a:t>
-                      </a:r>
-                    </a:p>
-                  </a:txBody>
-                  <a:tcPr/>
-                </a:tc>
-                <a:tc>
-                  <a:txBody>
-                    <a:bodyPr/>
-                    <a:lstStyle/>
-                    <a:p>
-                      <a:r>
-                        <a:t>KENITRA</a:t>
-                      </a:r>
-                    </a:p>
-                  </a:txBody>
-                  <a:tcPr/>
-                </a:tc>
-                <a:tc>
-                  <a:txBody>
-                    <a:bodyPr/>
-                    <a:lstStyle/>
-                    <a:p>
-                      <a:r>
-                        <a:t>34.23029592, -6.58079417</a:t>
-                      </a:r>
-                    </a:p>
-                  </a:txBody>
-                  <a:tcPr/>
-                </a:tc>
-                <a:tc>
-                  <a:txBody>
-                    <a:bodyPr/>
-                    <a:lstStyle/>
-                    <a:p>
-                      <a:r>
-                        <a:t>34.23614002, -6.57165421</a:t>
-                      </a:r>
-                    </a:p>
-                  </a:txBody>
-                  <a:tcPr/>
-                </a:tc>
-                <a:tc>
-                  <a:txBody>
-                    <a:bodyPr/>
-                    <a:lstStyle/>
-                    <a:p/>
-                  </a:txBody>
-                  <a:tcPr/>
-                </a:tc>
-                <a:tc>
-                  <a:txBody>
-                    <a:bodyPr/>
-                    <a:lstStyle/>
-                    <a:p/>
-                  </a:txBody>
-                  <a:tcPr/>
-                </a:tc>
-              </a:tr>
-              <a:tr h="268941">
-                <a:tc>
-                  <a:txBody>
-                    <a:bodyPr/>
-                    <a:lstStyle/>
-                    <a:p>
-                      <a:r>
-                        <a:t>KEN943</a:t>
-                      </a:r>
-                    </a:p>
-                  </a:txBody>
-                  <a:tcPr/>
-                </a:tc>
-                <a:tc>
-                  <a:txBody>
-                    <a:bodyPr/>
-                    <a:lstStyle/>
-                    <a:p>
-                      <a:r>
-                        <a:t>AVANZIT</a:t>
-                      </a:r>
-                    </a:p>
-                  </a:txBody>
-                  <a:tcPr/>
-                </a:tc>
-                <a:tc>
-                  <a:txBody>
-                    <a:bodyPr/>
-                    <a:lstStyle/>
-                    <a:p>
-                      <a:r>
-                        <a:t>JUIN</a:t>
-                      </a:r>
-                    </a:p>
-                  </a:txBody>
-                  <a:tcPr/>
-                </a:tc>
-                <a:tc>
-                  <a:txBody>
-                    <a:bodyPr/>
-                    <a:lstStyle/>
-                    <a:p>
-                      <a:r>
-                        <a:t>Du 01/06/2024 Au 31/09/2024</a:t>
-                      </a:r>
-                    </a:p>
-                  </a:txBody>
-                  <a:tcPr/>
-                </a:tc>
-                <a:tc>
-                  <a:txBody>
-                    <a:bodyPr/>
-                    <a:lstStyle/>
-                    <a:p>
-                      <a:r>
-                        <a:t>Du 01/06/2024 Au 31/09/2024</a:t>
-                      </a:r>
-                    </a:p>
-                  </a:txBody>
-                  <a:tcPr/>
-                </a:tc>
-                <a:tc>
-                  <a:txBody>
-                    <a:bodyPr/>
-                    <a:lstStyle/>
-                    <a:p/>
-                  </a:txBody>
-                  <a:tcPr/>
-                </a:tc>
-                <a:tc>
-                  <a:txBody>
-                    <a:bodyPr/>
-                    <a:lstStyle/>
-                    <a:p>
-                      <a:r>
-                        <a:t>0660127763 AZEDDINE</a:t>
-                      </a:r>
-                    </a:p>
-                  </a:txBody>
-                  <a:tcPr/>
-                </a:tc>
-                <a:tc>
-                  <a:txBody>
-                    <a:bodyPr/>
-                    <a:lstStyle/>
-                    <a:p/>
-                  </a:txBody>
-                  <a:tcPr/>
-                </a:tc>
-                <a:tc>
-                  <a:txBody>
-                    <a:bodyPr/>
-                    <a:lstStyle/>
-                    <a:p>
-                      <a:r>
-                        <a:t>RABAT</a:t>
-                      </a:r>
-                    </a:p>
-                  </a:txBody>
-                  <a:tcPr/>
-                </a:tc>
-                <a:tc>
-                  <a:txBody>
-                    <a:bodyPr/>
-                    <a:lstStyle/>
-                    <a:p>
-                      <a:r>
-                        <a:t>KENITRA</a:t>
-                      </a:r>
-                    </a:p>
-                  </a:txBody>
-                  <a:tcPr/>
-                </a:tc>
-                <a:tc>
-                  <a:txBody>
-                    <a:bodyPr/>
-                    <a:lstStyle/>
-                    <a:p>
-                      <a:r>
-                        <a:t>34.25123900, -6.57213600</a:t>
-                      </a:r>
-                    </a:p>
-                  </a:txBody>
-                  <a:tcPr/>
-                </a:tc>
-                <a:tc>
-                  <a:txBody>
-                    <a:bodyPr/>
-                    <a:lstStyle/>
-                    <a:p>
-                      <a:r>
-                        <a:t>34.25374700, -6.57989500</a:t>
-                      </a:r>
-                    </a:p>
-                  </a:txBody>
-                  <a:tcPr/>
-                </a:tc>
-                <a:tc>
-                  <a:txBody>
-                    <a:bodyPr/>
-                    <a:lstStyle/>
-                    <a:p/>
-                  </a:txBody>
-                  <a:tcPr/>
-                </a:tc>
-                <a:tc>
-                  <a:txBody>
-                    <a:bodyPr/>
-                    <a:lstStyle/>
-                    <a:p/>
-                  </a:txBody>
-                  <a:tcPr/>
-                </a:tc>
-              </a:tr>
-              <a:tr h="268941">
-                <a:tc>
-                  <a:txBody>
-                    <a:bodyPr/>
-                    <a:lstStyle/>
-                    <a:p>
-                      <a:r>
-                        <a:t>KEN976</a:t>
-                      </a:r>
-                    </a:p>
-                  </a:txBody>
-                  <a:tcPr/>
-                </a:tc>
-                <a:tc>
-                  <a:txBody>
-                    <a:bodyPr/>
-                    <a:lstStyle/>
-                    <a:p>
-                      <a:r>
-                        <a:t>AVANZIT</a:t>
-                      </a:r>
-                    </a:p>
-                  </a:txBody>
-                  <a:tcPr/>
-                </a:tc>
-                <a:tc>
-                  <a:txBody>
-                    <a:bodyPr/>
-                    <a:lstStyle/>
-                    <a:p>
-                      <a:r>
-                        <a:t>JUIN</a:t>
-                      </a:r>
-                    </a:p>
-                  </a:txBody>
-                  <a:tcPr/>
-                </a:tc>
-                <a:tc>
-                  <a:txBody>
-                    <a:bodyPr/>
-                    <a:lstStyle/>
-                    <a:p>
-                      <a:r>
-                        <a:t>Du 01/06/2024 Au 31/09/2024</a:t>
-                      </a:r>
-                    </a:p>
-                  </a:txBody>
-                  <a:tcPr/>
-                </a:tc>
-                <a:tc>
-                  <a:txBody>
-                    <a:bodyPr/>
-                    <a:lstStyle/>
-                    <a:p>
-                      <a:r>
-                        <a:t>Du 01/06/2024 Au 31/09/2024</a:t>
-                      </a:r>
-                    </a:p>
-                  </a:txBody>
-                  <a:tcPr/>
-                </a:tc>
-                <a:tc>
-                  <a:txBody>
-                    <a:bodyPr/>
-                    <a:lstStyle/>
-                    <a:p/>
-                  </a:txBody>
-                  <a:tcPr/>
-                </a:tc>
-                <a:tc>
-                  <a:txBody>
-                    <a:bodyPr/>
-                    <a:lstStyle/>
-                    <a:p>
-                      <a:r>
-                        <a:t>0660127763 AZEDDINE</a:t>
-                      </a:r>
-                    </a:p>
-                  </a:txBody>
-                  <a:tcPr/>
-                </a:tc>
-                <a:tc>
-                  <a:txBody>
-                    <a:bodyPr/>
-                    <a:lstStyle/>
-                    <a:p/>
-                  </a:txBody>
-                  <a:tcPr/>
-                </a:tc>
-                <a:tc>
-                  <a:txBody>
-                    <a:bodyPr/>
-                    <a:lstStyle/>
-                    <a:p>
-                      <a:r>
-                        <a:t>RABAT</a:t>
-                      </a:r>
-                    </a:p>
-                  </a:txBody>
-                  <a:tcPr/>
-                </a:tc>
-                <a:tc>
-                  <a:txBody>
-                    <a:bodyPr/>
-                    <a:lstStyle/>
-                    <a:p>
-                      <a:r>
-                        <a:t>KENITRA</a:t>
-                      </a:r>
-                    </a:p>
-                  </a:txBody>
-                  <a:tcPr/>
-                </a:tc>
-                <a:tc>
-                  <a:txBody>
-                    <a:bodyPr/>
-                    <a:lstStyle/>
-                    <a:p>
-                      <a:r>
-                        <a:t>34.22881593, -6.53457249</a:t>
-                      </a:r>
-                    </a:p>
-                  </a:txBody>
-                  <a:tcPr/>
-                </a:tc>
-                <a:tc>
-                  <a:txBody>
-                    <a:bodyPr/>
-                    <a:lstStyle/>
-                    <a:p>
-                      <a:r>
-                        <a:t>34.23109200, -6.53366300</a:t>
-                      </a:r>
-                    </a:p>
-                  </a:txBody>
-                  <a:tcPr/>
-                </a:tc>
-                <a:tc>
-                  <a:txBody>
-                    <a:bodyPr/>
-                    <a:lstStyle/>
-                    <a:p/>
-                  </a:txBody>
-                  <a:tcPr/>
-                </a:tc>
-                <a:tc>
-                  <a:txBody>
-                    <a:bodyPr/>
-                    <a:lstStyle/>
-                    <a:p/>
-                  </a:txBody>
-                  <a:tcPr/>
-                </a:tc>
-              </a:tr>
-              <a:tr h="268944">
-                <a:tc>
-                  <a:txBody>
-                    <a:bodyPr/>
-                    <a:lstStyle/>
-                    <a:p>
-                      <a:r>
-                        <a:t>KEN988</a:t>
-                      </a:r>
-                    </a:p>
-                  </a:txBody>
-                  <a:tcPr/>
-                </a:tc>
-                <a:tc>
-                  <a:txBody>
-                    <a:bodyPr/>
-                    <a:lstStyle/>
-                    <a:p>
-                      <a:r>
-                        <a:t>AVANZIT</a:t>
-                      </a:r>
-                    </a:p>
-                  </a:txBody>
-                  <a:tcPr/>
-                </a:tc>
-                <a:tc>
-                  <a:txBody>
-                    <a:bodyPr/>
-                    <a:lstStyle/>
-                    <a:p>
-                      <a:r>
-                        <a:t>JUIN</a:t>
-                      </a:r>
-                    </a:p>
-                  </a:txBody>
-                  <a:tcPr/>
-                </a:tc>
-                <a:tc>
-                  <a:txBody>
-                    <a:bodyPr/>
-                    <a:lstStyle/>
-                    <a:p>
-                      <a:r>
-                        <a:t>Du 01/06/2024 Au 31/09/2024</a:t>
-                      </a:r>
-                    </a:p>
-                  </a:txBody>
-                  <a:tcPr/>
-                </a:tc>
-                <a:tc>
-                  <a:txBody>
-                    <a:bodyPr/>
-                    <a:lstStyle/>
-                    <a:p>
-                      <a:r>
-                        <a:t>Du 01/06/2024 Au 31/09/2024</a:t>
-                      </a:r>
-                    </a:p>
-                  </a:txBody>
-                  <a:tcPr/>
-                </a:tc>
-                <a:tc>
-                  <a:txBody>
-                    <a:bodyPr/>
-                    <a:lstStyle/>
-                    <a:p/>
-                  </a:txBody>
-                  <a:tcPr/>
-                </a:tc>
-                <a:tc>
-                  <a:txBody>
-                    <a:bodyPr/>
-                    <a:lstStyle/>
-                    <a:p>
-                      <a:r>
-                        <a:t>0660127763 AZEDDINE</a:t>
-                      </a:r>
-                    </a:p>
-                  </a:txBody>
-                  <a:tcPr/>
-                </a:tc>
-                <a:tc>
-                  <a:txBody>
-                    <a:bodyPr/>
-                    <a:lstStyle/>
-                    <a:p/>
-                  </a:txBody>
-                  <a:tcPr/>
-                </a:tc>
-                <a:tc>
-                  <a:txBody>
-                    <a:bodyPr/>
-                    <a:lstStyle/>
-                    <a:p>
-                      <a:r>
-                        <a:t>RABAT</a:t>
-                      </a:r>
-                    </a:p>
-                  </a:txBody>
-                  <a:tcPr/>
-                </a:tc>
-                <a:tc>
-                  <a:txBody>
-                    <a:bodyPr/>
-                    <a:lstStyle/>
-                    <a:p>
-                      <a:r>
-                        <a:t>KENITRA</a:t>
-                      </a:r>
-                    </a:p>
-                  </a:txBody>
-                  <a:tcPr/>
-                </a:tc>
-                <a:tc>
-                  <a:txBody>
-                    <a:bodyPr/>
-                    <a:lstStyle/>
-                    <a:p>
+                  <a:tcPr>
+                    <a:solidFill>
+                      <a:srgbClr val="F2F2F2"/>
+                    </a:solidFill>
+                  </a:tcPr>
+                </a:tc>
+                <a:tc>
+                  <a:txBody>
+                    <a:bodyPr tIns="18288" bIns="18288" lIns="45720" rIns="45720"/>
+                    <a:lstStyle/>
+                    <a:p>
+                      <a:pPr>
+                        <a:defRPr sz="700">
+                          <a:latin typeface="Arial Narrow"/>
+                        </a:defRPr>
+                      </a:pPr>
                       <a:r>
                         <a:t>34.26884038, -6.59386139</a:t>
                       </a:r>
                     </a:p>
                   </a:txBody>
-                  <a:tcPr/>
-                </a:tc>
-                <a:tc>
-                  <a:txBody>
-                    <a:bodyPr/>
-                    <a:lstStyle/>
-                    <a:p>
+                  <a:tcPr>
+                    <a:solidFill>
+                      <a:srgbClr val="F2F2F2"/>
+                    </a:solidFill>
+                  </a:tcPr>
+                </a:tc>
+                <a:tc>
+                  <a:txBody>
+                    <a:bodyPr tIns="18288" bIns="18288" lIns="45720" rIns="45720"/>
+                    <a:lstStyle/>
+                    <a:p>
+                      <a:pPr>
+                        <a:defRPr sz="700">
+                          <a:latin typeface="Arial Narrow"/>
+                        </a:defRPr>
+                      </a:pPr>
                       <a:r>
                         <a:t>34.27361100, -6.59147200</a:t>
                       </a:r>
                     </a:p>
                   </a:txBody>
-                  <a:tcPr/>
-                </a:tc>
-                <a:tc>
-                  <a:txBody>
-                    <a:bodyPr/>
-                    <a:lstStyle/>
-                    <a:p/>
-                  </a:txBody>
-                  <a:tcPr/>
-                </a:tc>
-                <a:tc>
-                  <a:txBody>
-                    <a:bodyPr/>
-                    <a:lstStyle/>
-                    <a:p/>
-                  </a:txBody>
-                  <a:tcPr/>
+                  <a:tcPr>
+                    <a:solidFill>
+                      <a:srgbClr val="F2F2F2"/>
+                    </a:solidFill>
+                  </a:tcPr>
                 </a:tc>
               </a:tr>
             </a:tbl>
